--- a/JS Fundamentals/31 & 32 Regular Expressions/JS-Fundamentals-Regular-Expressions.pptx
+++ b/JS Fundamentals/31 & 32 Regular Expressions/JS-Fundamentals-Regular-Expressions.pptx
@@ -323,7 +323,7 @@
             <a:fld id="{FE5B4EDC-59C0-49C7-8ADA-5A781B329E02}" type="datetimeFigureOut">
               <a:rPr lang="en-US"/>
               <a:pPr/>
-              <a:t>7/9/2019</a:t>
+              <a:t>7/19/2019</a:t>
             </a:fld>
             <a:endParaRPr dirty="0"/>
           </a:p>
@@ -522,7 +522,7 @@
             <a:fld id="{F2D8D46A-B586-417D-BFBD-8C8FE0AAF762}" type="datetimeFigureOut">
               <a:rPr lang="en-US" smtClean="0"/>
               <a:pPr/>
-              <a:t>7/9/2019</a:t>
+              <a:t>7/19/2019</a:t>
             </a:fld>
             <a:endParaRPr lang="en-US" dirty="0"/>
           </a:p>
@@ -2179,7 +2179,7 @@
           <p:cNvPr id="17" name="Picture 16">
             <a:extLst>
               <a:ext uri="{FF2B5EF4-FFF2-40B4-BE49-F238E27FC236}">
-                <a16:creationId xmlns:a16="http://schemas.microsoft.com/office/drawing/2014/main" xmlns="" id="{5B5A345C-2CD0-4932-A998-37B2D20BF028}"/>
+                <a16:creationId xmlns:a16="http://schemas.microsoft.com/office/drawing/2014/main" id="{5B5A345C-2CD0-4932-A998-37B2D20BF028}"/>
               </a:ext>
             </a:extLst>
           </p:cNvPr>
@@ -2208,7 +2208,7 @@
           <p:cNvPr id="33" name="Picture Placeholder 32">
             <a:extLst>
               <a:ext uri="{FF2B5EF4-FFF2-40B4-BE49-F238E27FC236}">
-                <a16:creationId xmlns:a16="http://schemas.microsoft.com/office/drawing/2014/main" xmlns="" id="{A04D819A-89E2-4714-8C56-1838BF467EF7}"/>
+                <a16:creationId xmlns:a16="http://schemas.microsoft.com/office/drawing/2014/main" id="{A04D819A-89E2-4714-8C56-1838BF467EF7}"/>
               </a:ext>
             </a:extLst>
           </p:cNvPr>
@@ -2251,7 +2251,7 @@
           <p:cNvPr id="35" name="Picture 34">
             <a:extLst>
               <a:ext uri="{FF2B5EF4-FFF2-40B4-BE49-F238E27FC236}">
-                <a16:creationId xmlns:a16="http://schemas.microsoft.com/office/drawing/2014/main" xmlns="" id="{951E7DA9-C5F0-43D9-B013-3BDF9EEF029D}"/>
+                <a16:creationId xmlns:a16="http://schemas.microsoft.com/office/drawing/2014/main" id="{951E7DA9-C5F0-43D9-B013-3BDF9EEF029D}"/>
               </a:ext>
             </a:extLst>
           </p:cNvPr>
@@ -2286,7 +2286,7 @@
           <p:cNvPr id="43" name="Subtitle 5">
             <a:extLst>
               <a:ext uri="{FF2B5EF4-FFF2-40B4-BE49-F238E27FC236}">
-                <a16:creationId xmlns:a16="http://schemas.microsoft.com/office/drawing/2014/main" xmlns="" id="{37BDB812-1395-4B02-ABCF-6A331EEE23E5}"/>
+                <a16:creationId xmlns:a16="http://schemas.microsoft.com/office/drawing/2014/main" id="{37BDB812-1395-4B02-ABCF-6A331EEE23E5}"/>
               </a:ext>
             </a:extLst>
           </p:cNvPr>
@@ -2334,7 +2334,7 @@
           <p:cNvPr id="19" name="Picture 18">
             <a:extLst>
               <a:ext uri="{FF2B5EF4-FFF2-40B4-BE49-F238E27FC236}">
-                <a16:creationId xmlns:a16="http://schemas.microsoft.com/office/drawing/2014/main" xmlns="" id="{4FAEB7CD-FF73-4344-9FE5-589B30F5AAF7}"/>
+                <a16:creationId xmlns:a16="http://schemas.microsoft.com/office/drawing/2014/main" id="{4FAEB7CD-FF73-4344-9FE5-589B30F5AAF7}"/>
               </a:ext>
             </a:extLst>
           </p:cNvPr>
@@ -2370,7 +2370,7 @@
           <p:cNvPr id="10" name="Picture 9">
             <a:extLst>
               <a:ext uri="{FF2B5EF4-FFF2-40B4-BE49-F238E27FC236}">
-                <a16:creationId xmlns:a16="http://schemas.microsoft.com/office/drawing/2014/main" xmlns="" id="{82DFEC2C-38C6-405B-AD0A-06879C50EFEE}"/>
+                <a16:creationId xmlns:a16="http://schemas.microsoft.com/office/drawing/2014/main" id="{82DFEC2C-38C6-405B-AD0A-06879C50EFEE}"/>
               </a:ext>
             </a:extLst>
           </p:cNvPr>
@@ -2405,7 +2405,7 @@
           <p:cNvPr id="15" name="Picture 14">
             <a:extLst>
               <a:ext uri="{FF2B5EF4-FFF2-40B4-BE49-F238E27FC236}">
-                <a16:creationId xmlns:a16="http://schemas.microsoft.com/office/drawing/2014/main" xmlns="" id="{D7483B54-1DD1-4FC4-9FA0-4872F8C409C8}"/>
+                <a16:creationId xmlns:a16="http://schemas.microsoft.com/office/drawing/2014/main" id="{D7483B54-1DD1-4FC4-9FA0-4872F8C409C8}"/>
               </a:ext>
             </a:extLst>
           </p:cNvPr>
@@ -2440,7 +2440,7 @@
           <p:cNvPr id="2" name="Title 1">
             <a:extLst>
               <a:ext uri="{FF2B5EF4-FFF2-40B4-BE49-F238E27FC236}">
-                <a16:creationId xmlns:a16="http://schemas.microsoft.com/office/drawing/2014/main" xmlns="" id="{A4DF3AB8-E6E3-4FCE-8A4A-ECD147720A5D}"/>
+                <a16:creationId xmlns:a16="http://schemas.microsoft.com/office/drawing/2014/main" id="{A4DF3AB8-E6E3-4FCE-8A4A-ECD147720A5D}"/>
               </a:ext>
             </a:extLst>
           </p:cNvPr>
@@ -2478,7 +2478,7 @@
             <a:hlinkClick r:id="rId7" tooltip="This work is licensed under the &quot;Creative Commons Attribution-NonCommercial-ShareAlike 4.0 International&quot; license"/>
             <a:extLst>
               <a:ext uri="{FF2B5EF4-FFF2-40B4-BE49-F238E27FC236}">
-                <a16:creationId xmlns:a16="http://schemas.microsoft.com/office/drawing/2014/main" xmlns="" id="{7CB336FF-A768-4CE1-B1CE-FC103B348EA1}"/>
+                <a16:creationId xmlns:a16="http://schemas.microsoft.com/office/drawing/2014/main" id="{7CB336FF-A768-4CE1-B1CE-FC103B348EA1}"/>
               </a:ext>
             </a:extLst>
           </p:cNvPr>
@@ -2531,7 +2531,7 @@
           <p:cNvPr id="30" name="Text Placeholder 13">
             <a:extLst>
               <a:ext uri="{FF2B5EF4-FFF2-40B4-BE49-F238E27FC236}">
-                <a16:creationId xmlns:a16="http://schemas.microsoft.com/office/drawing/2014/main" xmlns="" id="{2EA92DCA-4DB5-4D03-ACD3-A6A296592D0C}"/>
+                <a16:creationId xmlns:a16="http://schemas.microsoft.com/office/drawing/2014/main" id="{2EA92DCA-4DB5-4D03-ACD3-A6A296592D0C}"/>
               </a:ext>
             </a:extLst>
           </p:cNvPr>
@@ -2593,7 +2593,7 @@
           <p:cNvPr id="31" name="Text Placeholder 13">
             <a:extLst>
               <a:ext uri="{FF2B5EF4-FFF2-40B4-BE49-F238E27FC236}">
-                <a16:creationId xmlns:a16="http://schemas.microsoft.com/office/drawing/2014/main" xmlns="" id="{3E6B87B7-9D33-4EBB-BD4F-C0436BA3FD72}"/>
+                <a16:creationId xmlns:a16="http://schemas.microsoft.com/office/drawing/2014/main" id="{3E6B87B7-9D33-4EBB-BD4F-C0436BA3FD72}"/>
               </a:ext>
             </a:extLst>
           </p:cNvPr>
@@ -2655,7 +2655,7 @@
           <p:cNvPr id="36" name="Text Placeholder 13">
             <a:extLst>
               <a:ext uri="{FF2B5EF4-FFF2-40B4-BE49-F238E27FC236}">
-                <a16:creationId xmlns:a16="http://schemas.microsoft.com/office/drawing/2014/main" xmlns="" id="{3B21F47B-DE1F-442D-A2B7-6866F8786704}"/>
+                <a16:creationId xmlns:a16="http://schemas.microsoft.com/office/drawing/2014/main" id="{3B21F47B-DE1F-442D-A2B7-6866F8786704}"/>
               </a:ext>
             </a:extLst>
           </p:cNvPr>
@@ -2715,7 +2715,7 @@
           <p:cNvPr id="40" name="Text Placeholder 13">
             <a:extLst>
               <a:ext uri="{FF2B5EF4-FFF2-40B4-BE49-F238E27FC236}">
-                <a16:creationId xmlns:a16="http://schemas.microsoft.com/office/drawing/2014/main" xmlns="" id="{CD940256-851E-46C8-8BFB-A5ECA6C7DA07}"/>
+                <a16:creationId xmlns:a16="http://schemas.microsoft.com/office/drawing/2014/main" id="{CD940256-851E-46C8-8BFB-A5ECA6C7DA07}"/>
               </a:ext>
             </a:extLst>
           </p:cNvPr>
@@ -2775,7 +2775,7 @@
           <p:cNvPr id="16" name="Rectangle 15">
             <a:extLst>
               <a:ext uri="{FF2B5EF4-FFF2-40B4-BE49-F238E27FC236}">
-                <a16:creationId xmlns:a16="http://schemas.microsoft.com/office/drawing/2014/main" xmlns="" id="{6854D183-0374-4B3E-B2CE-32F308A81591}"/>
+                <a16:creationId xmlns:a16="http://schemas.microsoft.com/office/drawing/2014/main" id="{6854D183-0374-4B3E-B2CE-32F308A81591}"/>
               </a:ext>
             </a:extLst>
           </p:cNvPr>
@@ -2856,7 +2856,7 @@
           <p:cNvPr id="18" name="Rectangle 17">
             <a:extLst>
               <a:ext uri="{FF2B5EF4-FFF2-40B4-BE49-F238E27FC236}">
-                <a16:creationId xmlns:a16="http://schemas.microsoft.com/office/drawing/2014/main" xmlns="" id="{34E5CD64-8E62-478C-BD07-29B0AE8E261B}"/>
+                <a16:creationId xmlns:a16="http://schemas.microsoft.com/office/drawing/2014/main" id="{34E5CD64-8E62-478C-BD07-29B0AE8E261B}"/>
               </a:ext>
             </a:extLst>
           </p:cNvPr>
@@ -2992,7 +2992,7 @@
           <p:cNvPr id="11" name="Picture 10">
             <a:extLst>
               <a:ext uri="{FF2B5EF4-FFF2-40B4-BE49-F238E27FC236}">
-                <a16:creationId xmlns:a16="http://schemas.microsoft.com/office/drawing/2014/main" xmlns="" id="{23609A8D-9063-4A88-A094-81A65D7DF417}"/>
+                <a16:creationId xmlns:a16="http://schemas.microsoft.com/office/drawing/2014/main" id="{23609A8D-9063-4A88-A094-81A65D7DF417}"/>
               </a:ext>
             </a:extLst>
           </p:cNvPr>
@@ -3021,7 +3021,7 @@
           <p:cNvPr id="17" name="Rectangle 16">
             <a:extLst>
               <a:ext uri="{FF2B5EF4-FFF2-40B4-BE49-F238E27FC236}">
-                <a16:creationId xmlns:a16="http://schemas.microsoft.com/office/drawing/2014/main" xmlns="" id="{4880F1A8-532C-4443-BDB9-44438A972E15}"/>
+                <a16:creationId xmlns:a16="http://schemas.microsoft.com/office/drawing/2014/main" id="{4880F1A8-532C-4443-BDB9-44438A972E15}"/>
               </a:ext>
             </a:extLst>
           </p:cNvPr>
@@ -3331,7 +3331,7 @@
           <p:cNvPr id="10" name="Rectangle 9">
             <a:extLst>
               <a:ext uri="{FF2B5EF4-FFF2-40B4-BE49-F238E27FC236}">
-                <a16:creationId xmlns:a16="http://schemas.microsoft.com/office/drawing/2014/main" xmlns="" id="{E9B994EC-35A8-4A11-98CB-25DC28852F94}"/>
+                <a16:creationId xmlns:a16="http://schemas.microsoft.com/office/drawing/2014/main" id="{E9B994EC-35A8-4A11-98CB-25DC28852F94}"/>
               </a:ext>
             </a:extLst>
           </p:cNvPr>
@@ -3412,7 +3412,7 @@
           <p:cNvPr id="14" name="Text Placeholder 13">
             <a:extLst>
               <a:ext uri="{FF2B5EF4-FFF2-40B4-BE49-F238E27FC236}">
-                <a16:creationId xmlns:a16="http://schemas.microsoft.com/office/drawing/2014/main" xmlns="" id="{A2ABE920-240F-4CF6-AD45-23ED489FAD6E}"/>
+                <a16:creationId xmlns:a16="http://schemas.microsoft.com/office/drawing/2014/main" id="{A2ABE920-240F-4CF6-AD45-23ED489FAD6E}"/>
               </a:ext>
             </a:extLst>
           </p:cNvPr>
@@ -3475,7 +3475,7 @@
           <p:cNvPr id="6" name="Title 5">
             <a:extLst>
               <a:ext uri="{FF2B5EF4-FFF2-40B4-BE49-F238E27FC236}">
-                <a16:creationId xmlns:a16="http://schemas.microsoft.com/office/drawing/2014/main" xmlns="" id="{2FF342A0-26CC-4ADA-AB90-FC4810F88E91}"/>
+                <a16:creationId xmlns:a16="http://schemas.microsoft.com/office/drawing/2014/main" id="{2FF342A0-26CC-4ADA-AB90-FC4810F88E91}"/>
               </a:ext>
             </a:extLst>
           </p:cNvPr>
@@ -3511,7 +3511,7 @@
           <p:cNvPr id="8" name="Date Placeholder 7">
             <a:extLst>
               <a:ext uri="{FF2B5EF4-FFF2-40B4-BE49-F238E27FC236}">
-                <a16:creationId xmlns:a16="http://schemas.microsoft.com/office/drawing/2014/main" xmlns="" id="{A66184F8-77F5-4000-AA69-383B07AEEF0D}"/>
+                <a16:creationId xmlns:a16="http://schemas.microsoft.com/office/drawing/2014/main" id="{A66184F8-77F5-4000-AA69-383B07AEEF0D}"/>
               </a:ext>
             </a:extLst>
           </p:cNvPr>
@@ -3530,7 +3530,7 @@
             <a:fld id="{055373AC-9AA7-423B-BA00-BA1C74164DBD}" type="datetime1">
               <a:rPr lang="en-US" smtClean="0"/>
               <a:pPr/>
-              <a:t>7/9/2019</a:t>
+              <a:t>7/19/2019</a:t>
             </a:fld>
             <a:endParaRPr lang="en-US" dirty="0"/>
           </a:p>
@@ -3541,7 +3541,7 @@
           <p:cNvPr id="9" name="Footer Placeholder 8">
             <a:extLst>
               <a:ext uri="{FF2B5EF4-FFF2-40B4-BE49-F238E27FC236}">
-                <a16:creationId xmlns:a16="http://schemas.microsoft.com/office/drawing/2014/main" xmlns="" id="{9CAD63B7-3B55-42B3-B63C-7488630C399B}"/>
+                <a16:creationId xmlns:a16="http://schemas.microsoft.com/office/drawing/2014/main" id="{9CAD63B7-3B55-42B3-B63C-7488630C399B}"/>
               </a:ext>
             </a:extLst>
           </p:cNvPr>
@@ -3566,7 +3566,7 @@
           <p:cNvPr id="15" name="Slide Number Placeholder 14">
             <a:extLst>
               <a:ext uri="{FF2B5EF4-FFF2-40B4-BE49-F238E27FC236}">
-                <a16:creationId xmlns:a16="http://schemas.microsoft.com/office/drawing/2014/main" xmlns="" id="{97A1733E-05EA-4892-9222-96356ACBDF86}"/>
+                <a16:creationId xmlns:a16="http://schemas.microsoft.com/office/drawing/2014/main" id="{97A1733E-05EA-4892-9222-96356ACBDF86}"/>
               </a:ext>
             </a:extLst>
           </p:cNvPr>
@@ -3596,7 +3596,7 @@
           <p:cNvPr id="16" name="Picture 15">
             <a:extLst>
               <a:ext uri="{FF2B5EF4-FFF2-40B4-BE49-F238E27FC236}">
-                <a16:creationId xmlns:a16="http://schemas.microsoft.com/office/drawing/2014/main" xmlns="" id="{2FE050E4-DC54-4CF4-A8D3-DC8B8DA04ECB}"/>
+                <a16:creationId xmlns:a16="http://schemas.microsoft.com/office/drawing/2014/main" id="{2FE050E4-DC54-4CF4-A8D3-DC8B8DA04ECB}"/>
               </a:ext>
             </a:extLst>
           </p:cNvPr>
@@ -3632,7 +3632,7 @@
           <p:cNvPr id="18" name="Rectangle 17">
             <a:extLst>
               <a:ext uri="{FF2B5EF4-FFF2-40B4-BE49-F238E27FC236}">
-                <a16:creationId xmlns:a16="http://schemas.microsoft.com/office/drawing/2014/main" xmlns="" id="{B2B94D3F-5DC8-4398-914C-4833ABE4CC19}"/>
+                <a16:creationId xmlns:a16="http://schemas.microsoft.com/office/drawing/2014/main" id="{B2B94D3F-5DC8-4398-914C-4833ABE4CC19}"/>
               </a:ext>
             </a:extLst>
           </p:cNvPr>
@@ -3760,7 +3760,7 @@
           <p:cNvPr id="36" name="Picture 35">
             <a:extLst>
               <a:ext uri="{FF2B5EF4-FFF2-40B4-BE49-F238E27FC236}">
-                <a16:creationId xmlns:a16="http://schemas.microsoft.com/office/drawing/2014/main" xmlns="" id="{B21D9C95-5FF6-4F7E-AC00-ED6F3DD385F0}"/>
+                <a16:creationId xmlns:a16="http://schemas.microsoft.com/office/drawing/2014/main" id="{B21D9C95-5FF6-4F7E-AC00-ED6F3DD385F0}"/>
               </a:ext>
             </a:extLst>
           </p:cNvPr>
@@ -3789,7 +3789,7 @@
           <p:cNvPr id="56" name="Picture 55">
             <a:extLst>
               <a:ext uri="{FF2B5EF4-FFF2-40B4-BE49-F238E27FC236}">
-                <a16:creationId xmlns:a16="http://schemas.microsoft.com/office/drawing/2014/main" xmlns="" id="{DEAD13D1-8921-41EB-9EDF-DA3F5121F449}"/>
+                <a16:creationId xmlns:a16="http://schemas.microsoft.com/office/drawing/2014/main" id="{DEAD13D1-8921-41EB-9EDF-DA3F5121F449}"/>
               </a:ext>
             </a:extLst>
           </p:cNvPr>
@@ -3818,7 +3818,7 @@
           <p:cNvPr id="19" name="Rectangle 18">
             <a:extLst>
               <a:ext uri="{FF2B5EF4-FFF2-40B4-BE49-F238E27FC236}">
-                <a16:creationId xmlns:a16="http://schemas.microsoft.com/office/drawing/2014/main" xmlns="" id="{7CFDBB16-985C-4CC7-B6DB-B81B36037922}"/>
+                <a16:creationId xmlns:a16="http://schemas.microsoft.com/office/drawing/2014/main" id="{7CFDBB16-985C-4CC7-B6DB-B81B36037922}"/>
               </a:ext>
             </a:extLst>
           </p:cNvPr>
@@ -3917,7 +3917,7 @@
           <p:cNvPr id="26" name="Picture 25">
             <a:extLst>
               <a:ext uri="{FF2B5EF4-FFF2-40B4-BE49-F238E27FC236}">
-                <a16:creationId xmlns:a16="http://schemas.microsoft.com/office/drawing/2014/main" xmlns="" id="{247CFF3C-C4FA-493D-8505-DF469F4D36A4}"/>
+                <a16:creationId xmlns:a16="http://schemas.microsoft.com/office/drawing/2014/main" id="{247CFF3C-C4FA-493D-8505-DF469F4D36A4}"/>
               </a:ext>
             </a:extLst>
           </p:cNvPr>
@@ -3953,7 +3953,7 @@
           <p:cNvPr id="42" name="Picture 41">
             <a:extLst>
               <a:ext uri="{FF2B5EF4-FFF2-40B4-BE49-F238E27FC236}">
-                <a16:creationId xmlns:a16="http://schemas.microsoft.com/office/drawing/2014/main" xmlns="" id="{320846EB-6FC8-4F9D-97D0-A1A8E9CEE0DE}"/>
+                <a16:creationId xmlns:a16="http://schemas.microsoft.com/office/drawing/2014/main" id="{320846EB-6FC8-4F9D-97D0-A1A8E9CEE0DE}"/>
               </a:ext>
             </a:extLst>
           </p:cNvPr>
@@ -3989,7 +3989,7 @@
           <p:cNvPr id="2" name="Date Placeholder 1">
             <a:extLst>
               <a:ext uri="{FF2B5EF4-FFF2-40B4-BE49-F238E27FC236}">
-                <a16:creationId xmlns:a16="http://schemas.microsoft.com/office/drawing/2014/main" xmlns="" id="{839983C1-41F3-4B45-9E6B-F2615F743C0A}"/>
+                <a16:creationId xmlns:a16="http://schemas.microsoft.com/office/drawing/2014/main" id="{839983C1-41F3-4B45-9E6B-F2615F743C0A}"/>
               </a:ext>
             </a:extLst>
           </p:cNvPr>
@@ -4008,7 +4008,7 @@
             <a:fld id="{055373AC-9AA7-423B-BA00-BA1C74164DBD}" type="datetime1">
               <a:rPr lang="en-US" smtClean="0"/>
               <a:pPr/>
-              <a:t>7/9/2019</a:t>
+              <a:t>7/19/2019</a:t>
             </a:fld>
             <a:endParaRPr lang="en-US" dirty="0"/>
           </a:p>
@@ -4019,7 +4019,7 @@
           <p:cNvPr id="6" name="Footer Placeholder 5">
             <a:extLst>
               <a:ext uri="{FF2B5EF4-FFF2-40B4-BE49-F238E27FC236}">
-                <a16:creationId xmlns:a16="http://schemas.microsoft.com/office/drawing/2014/main" xmlns="" id="{A32622C9-3C7D-445D-83B2-28583716E287}"/>
+                <a16:creationId xmlns:a16="http://schemas.microsoft.com/office/drawing/2014/main" id="{A32622C9-3C7D-445D-83B2-28583716E287}"/>
               </a:ext>
             </a:extLst>
           </p:cNvPr>
@@ -4044,7 +4044,7 @@
           <p:cNvPr id="7" name="Slide Number Placeholder 6">
             <a:extLst>
               <a:ext uri="{FF2B5EF4-FFF2-40B4-BE49-F238E27FC236}">
-                <a16:creationId xmlns:a16="http://schemas.microsoft.com/office/drawing/2014/main" xmlns="" id="{2404DAB2-278F-4812-9F5E-FB63D8068383}"/>
+                <a16:creationId xmlns:a16="http://schemas.microsoft.com/office/drawing/2014/main" id="{2404DAB2-278F-4812-9F5E-FB63D8068383}"/>
               </a:ext>
             </a:extLst>
           </p:cNvPr>
@@ -4074,7 +4074,7 @@
           <p:cNvPr id="18" name="Picture 17">
             <a:extLst>
               <a:ext uri="{FF2B5EF4-FFF2-40B4-BE49-F238E27FC236}">
-                <a16:creationId xmlns:a16="http://schemas.microsoft.com/office/drawing/2014/main" xmlns="" id="{A0675455-B7FA-4569-A5FD-A3B0F20B2A26}"/>
+                <a16:creationId xmlns:a16="http://schemas.microsoft.com/office/drawing/2014/main" id="{A0675455-B7FA-4569-A5FD-A3B0F20B2A26}"/>
               </a:ext>
             </a:extLst>
           </p:cNvPr>
@@ -4110,7 +4110,7 @@
           <p:cNvPr id="20" name="Picture 19">
             <a:extLst>
               <a:ext uri="{FF2B5EF4-FFF2-40B4-BE49-F238E27FC236}">
-                <a16:creationId xmlns:a16="http://schemas.microsoft.com/office/drawing/2014/main" xmlns="" id="{827D15FD-4C66-4B85-98E6-7826AA8F61C6}"/>
+                <a16:creationId xmlns:a16="http://schemas.microsoft.com/office/drawing/2014/main" id="{827D15FD-4C66-4B85-98E6-7826AA8F61C6}"/>
               </a:ext>
             </a:extLst>
           </p:cNvPr>
@@ -4146,7 +4146,7 @@
           <p:cNvPr id="21" name="Picture 20">
             <a:extLst>
               <a:ext uri="{FF2B5EF4-FFF2-40B4-BE49-F238E27FC236}">
-                <a16:creationId xmlns:a16="http://schemas.microsoft.com/office/drawing/2014/main" xmlns="" id="{EA755AAE-BA08-481C-9224-0061170EE4B8}"/>
+                <a16:creationId xmlns:a16="http://schemas.microsoft.com/office/drawing/2014/main" id="{EA755AAE-BA08-481C-9224-0061170EE4B8}"/>
               </a:ext>
             </a:extLst>
           </p:cNvPr>
@@ -4182,7 +4182,7 @@
           <p:cNvPr id="22" name="Picture 21">
             <a:extLst>
               <a:ext uri="{FF2B5EF4-FFF2-40B4-BE49-F238E27FC236}">
-                <a16:creationId xmlns:a16="http://schemas.microsoft.com/office/drawing/2014/main" xmlns="" id="{0A83D66F-855B-463B-920B-BF239B01A206}"/>
+                <a16:creationId xmlns:a16="http://schemas.microsoft.com/office/drawing/2014/main" id="{0A83D66F-855B-463B-920B-BF239B01A206}"/>
               </a:ext>
             </a:extLst>
           </p:cNvPr>
@@ -4218,7 +4218,7 @@
           <p:cNvPr id="23" name="Picture 22">
             <a:extLst>
               <a:ext uri="{FF2B5EF4-FFF2-40B4-BE49-F238E27FC236}">
-                <a16:creationId xmlns:a16="http://schemas.microsoft.com/office/drawing/2014/main" xmlns="" id="{6643F71A-2013-433A-8322-FBAAED3162D8}"/>
+                <a16:creationId xmlns:a16="http://schemas.microsoft.com/office/drawing/2014/main" id="{6643F71A-2013-433A-8322-FBAAED3162D8}"/>
               </a:ext>
             </a:extLst>
           </p:cNvPr>
@@ -4254,7 +4254,7 @@
           <p:cNvPr id="24" name="Picture 23">
             <a:extLst>
               <a:ext uri="{FF2B5EF4-FFF2-40B4-BE49-F238E27FC236}">
-                <a16:creationId xmlns:a16="http://schemas.microsoft.com/office/drawing/2014/main" xmlns="" id="{B0812936-74B6-4265-8C08-AEDC8C798702}"/>
+                <a16:creationId xmlns:a16="http://schemas.microsoft.com/office/drawing/2014/main" id="{B0812936-74B6-4265-8C08-AEDC8C798702}"/>
               </a:ext>
             </a:extLst>
           </p:cNvPr>
@@ -4290,7 +4290,7 @@
           <p:cNvPr id="25" name="Picture 24">
             <a:extLst>
               <a:ext uri="{FF2B5EF4-FFF2-40B4-BE49-F238E27FC236}">
-                <a16:creationId xmlns:a16="http://schemas.microsoft.com/office/drawing/2014/main" xmlns="" id="{C74C190C-5856-41B9-8819-AE8DE0E10980}"/>
+                <a16:creationId xmlns:a16="http://schemas.microsoft.com/office/drawing/2014/main" id="{C74C190C-5856-41B9-8819-AE8DE0E10980}"/>
               </a:ext>
             </a:extLst>
           </p:cNvPr>
@@ -4326,7 +4326,7 @@
           <p:cNvPr id="27" name="Straight Connector 26">
             <a:extLst>
               <a:ext uri="{FF2B5EF4-FFF2-40B4-BE49-F238E27FC236}">
-                <a16:creationId xmlns:a16="http://schemas.microsoft.com/office/drawing/2014/main" xmlns="" id="{5F62FB7C-BD6E-4383-98C1-2CF30F34CAFD}"/>
+                <a16:creationId xmlns:a16="http://schemas.microsoft.com/office/drawing/2014/main" id="{5F62FB7C-BD6E-4383-98C1-2CF30F34CAFD}"/>
               </a:ext>
             </a:extLst>
           </p:cNvPr>
@@ -4365,7 +4365,7 @@
           <p:cNvPr id="28" name="Straight Connector 27">
             <a:extLst>
               <a:ext uri="{FF2B5EF4-FFF2-40B4-BE49-F238E27FC236}">
-                <a16:creationId xmlns:a16="http://schemas.microsoft.com/office/drawing/2014/main" xmlns="" id="{D4E5982E-3110-47E1-A5BB-91B7BECC3093}"/>
+                <a16:creationId xmlns:a16="http://schemas.microsoft.com/office/drawing/2014/main" id="{D4E5982E-3110-47E1-A5BB-91B7BECC3093}"/>
               </a:ext>
             </a:extLst>
           </p:cNvPr>
@@ -4402,7 +4402,7 @@
           <p:cNvPr id="29" name="Straight Connector 28">
             <a:extLst>
               <a:ext uri="{FF2B5EF4-FFF2-40B4-BE49-F238E27FC236}">
-                <a16:creationId xmlns:a16="http://schemas.microsoft.com/office/drawing/2014/main" xmlns="" id="{72BFE2F3-0845-4E5B-9375-E9D4027DD675}"/>
+                <a16:creationId xmlns:a16="http://schemas.microsoft.com/office/drawing/2014/main" id="{72BFE2F3-0845-4E5B-9375-E9D4027DD675}"/>
               </a:ext>
             </a:extLst>
           </p:cNvPr>
@@ -4439,7 +4439,7 @@
           <p:cNvPr id="30" name="Straight Connector 29">
             <a:extLst>
               <a:ext uri="{FF2B5EF4-FFF2-40B4-BE49-F238E27FC236}">
-                <a16:creationId xmlns:a16="http://schemas.microsoft.com/office/drawing/2014/main" xmlns="" id="{93DDBF37-0764-47AA-94E3-9A44F3ED8FB5}"/>
+                <a16:creationId xmlns:a16="http://schemas.microsoft.com/office/drawing/2014/main" id="{93DDBF37-0764-47AA-94E3-9A44F3ED8FB5}"/>
               </a:ext>
             </a:extLst>
           </p:cNvPr>
@@ -4476,7 +4476,7 @@
           <p:cNvPr id="31" name="Straight Connector 30">
             <a:extLst>
               <a:ext uri="{FF2B5EF4-FFF2-40B4-BE49-F238E27FC236}">
-                <a16:creationId xmlns:a16="http://schemas.microsoft.com/office/drawing/2014/main" xmlns="" id="{299ABE09-E33C-46B7-A80D-7BF4A6956211}"/>
+                <a16:creationId xmlns:a16="http://schemas.microsoft.com/office/drawing/2014/main" id="{299ABE09-E33C-46B7-A80D-7BF4A6956211}"/>
               </a:ext>
             </a:extLst>
           </p:cNvPr>
@@ -4513,7 +4513,7 @@
           <p:cNvPr id="32" name="Straight Connector 31">
             <a:extLst>
               <a:ext uri="{FF2B5EF4-FFF2-40B4-BE49-F238E27FC236}">
-                <a16:creationId xmlns:a16="http://schemas.microsoft.com/office/drawing/2014/main" xmlns="" id="{6E91D320-3732-40B8-864D-142D0A277ED1}"/>
+                <a16:creationId xmlns:a16="http://schemas.microsoft.com/office/drawing/2014/main" id="{6E91D320-3732-40B8-864D-142D0A277ED1}"/>
               </a:ext>
             </a:extLst>
           </p:cNvPr>
@@ -4552,7 +4552,7 @@
           <p:cNvPr id="33" name="Straight Connector 32">
             <a:extLst>
               <a:ext uri="{FF2B5EF4-FFF2-40B4-BE49-F238E27FC236}">
-                <a16:creationId xmlns:a16="http://schemas.microsoft.com/office/drawing/2014/main" xmlns="" id="{5C63D1E8-4A92-4691-8A24-A2FC7E8008E5}"/>
+                <a16:creationId xmlns:a16="http://schemas.microsoft.com/office/drawing/2014/main" id="{5C63D1E8-4A92-4691-8A24-A2FC7E8008E5}"/>
               </a:ext>
             </a:extLst>
           </p:cNvPr>
@@ -4591,7 +4591,7 @@
           <p:cNvPr id="34" name="Straight Connector 33">
             <a:extLst>
               <a:ext uri="{FF2B5EF4-FFF2-40B4-BE49-F238E27FC236}">
-                <a16:creationId xmlns:a16="http://schemas.microsoft.com/office/drawing/2014/main" xmlns="" id="{C84A0FE1-723D-4682-8682-77BAD950EE15}"/>
+                <a16:creationId xmlns:a16="http://schemas.microsoft.com/office/drawing/2014/main" id="{C84A0FE1-723D-4682-8682-77BAD950EE15}"/>
               </a:ext>
             </a:extLst>
           </p:cNvPr>
@@ -4628,7 +4628,7 @@
           <p:cNvPr id="35" name="Rectangle 34">
             <a:extLst>
               <a:ext uri="{FF2B5EF4-FFF2-40B4-BE49-F238E27FC236}">
-                <a16:creationId xmlns:a16="http://schemas.microsoft.com/office/drawing/2014/main" xmlns="" id="{550A59F9-9A9D-4956-95B4-F78CC0DB1D59}"/>
+                <a16:creationId xmlns:a16="http://schemas.microsoft.com/office/drawing/2014/main" id="{550A59F9-9A9D-4956-95B4-F78CC0DB1D59}"/>
               </a:ext>
             </a:extLst>
           </p:cNvPr>
@@ -4709,7 +4709,7 @@
           <p:cNvPr id="37" name="Picture 36">
             <a:extLst>
               <a:ext uri="{FF2B5EF4-FFF2-40B4-BE49-F238E27FC236}">
-                <a16:creationId xmlns:a16="http://schemas.microsoft.com/office/drawing/2014/main" xmlns="" id="{8AF69835-F228-45D6-B39E-583EEBF1FE2D}"/>
+                <a16:creationId xmlns:a16="http://schemas.microsoft.com/office/drawing/2014/main" id="{8AF69835-F228-45D6-B39E-583EEBF1FE2D}"/>
               </a:ext>
             </a:extLst>
           </p:cNvPr>
@@ -4745,7 +4745,7 @@
           <p:cNvPr id="38" name="Picture 37">
             <a:extLst>
               <a:ext uri="{FF2B5EF4-FFF2-40B4-BE49-F238E27FC236}">
-                <a16:creationId xmlns:a16="http://schemas.microsoft.com/office/drawing/2014/main" xmlns="" id="{0577C4C0-8539-4520-A497-BBFB45821D24}"/>
+                <a16:creationId xmlns:a16="http://schemas.microsoft.com/office/drawing/2014/main" id="{0577C4C0-8539-4520-A497-BBFB45821D24}"/>
               </a:ext>
             </a:extLst>
           </p:cNvPr>
@@ -4781,7 +4781,7 @@
           <p:cNvPr id="39" name="Picture 38">
             <a:extLst>
               <a:ext uri="{FF2B5EF4-FFF2-40B4-BE49-F238E27FC236}">
-                <a16:creationId xmlns:a16="http://schemas.microsoft.com/office/drawing/2014/main" xmlns="" id="{16073A22-1B90-4D35-943B-5D9816FEB8FE}"/>
+                <a16:creationId xmlns:a16="http://schemas.microsoft.com/office/drawing/2014/main" id="{16073A22-1B90-4D35-943B-5D9816FEB8FE}"/>
               </a:ext>
             </a:extLst>
           </p:cNvPr>
@@ -4817,7 +4817,7 @@
           <p:cNvPr id="40" name="Picture 39">
             <a:extLst>
               <a:ext uri="{FF2B5EF4-FFF2-40B4-BE49-F238E27FC236}">
-                <a16:creationId xmlns:a16="http://schemas.microsoft.com/office/drawing/2014/main" xmlns="" id="{F7C8CFEA-27DA-4058-A611-3AE53851908C}"/>
+                <a16:creationId xmlns:a16="http://schemas.microsoft.com/office/drawing/2014/main" id="{F7C8CFEA-27DA-4058-A611-3AE53851908C}"/>
               </a:ext>
             </a:extLst>
           </p:cNvPr>
@@ -4853,7 +4853,7 @@
           <p:cNvPr id="41" name="Picture 40">
             <a:extLst>
               <a:ext uri="{FF2B5EF4-FFF2-40B4-BE49-F238E27FC236}">
-                <a16:creationId xmlns:a16="http://schemas.microsoft.com/office/drawing/2014/main" xmlns="" id="{CE9346DD-5152-48D0-8B06-7F8CE9803DAB}"/>
+                <a16:creationId xmlns:a16="http://schemas.microsoft.com/office/drawing/2014/main" id="{CE9346DD-5152-48D0-8B06-7F8CE9803DAB}"/>
               </a:ext>
             </a:extLst>
           </p:cNvPr>
@@ -4889,7 +4889,7 @@
           <p:cNvPr id="43" name="Picture 42">
             <a:extLst>
               <a:ext uri="{FF2B5EF4-FFF2-40B4-BE49-F238E27FC236}">
-                <a16:creationId xmlns:a16="http://schemas.microsoft.com/office/drawing/2014/main" xmlns="" id="{F6B4B602-D2C7-47C8-9470-2C5795ED8C22}"/>
+                <a16:creationId xmlns:a16="http://schemas.microsoft.com/office/drawing/2014/main" id="{F6B4B602-D2C7-47C8-9470-2C5795ED8C22}"/>
               </a:ext>
             </a:extLst>
           </p:cNvPr>
@@ -4925,7 +4925,7 @@
           <p:cNvPr id="44" name="Picture 43">
             <a:extLst>
               <a:ext uri="{FF2B5EF4-FFF2-40B4-BE49-F238E27FC236}">
-                <a16:creationId xmlns:a16="http://schemas.microsoft.com/office/drawing/2014/main" xmlns="" id="{103B7E6D-AFDD-45E1-8121-F42E465AB0E8}"/>
+                <a16:creationId xmlns:a16="http://schemas.microsoft.com/office/drawing/2014/main" id="{103B7E6D-AFDD-45E1-8121-F42E465AB0E8}"/>
               </a:ext>
             </a:extLst>
           </p:cNvPr>
@@ -4961,7 +4961,7 @@
           <p:cNvPr id="45" name="Straight Connector 44">
             <a:extLst>
               <a:ext uri="{FF2B5EF4-FFF2-40B4-BE49-F238E27FC236}">
-                <a16:creationId xmlns:a16="http://schemas.microsoft.com/office/drawing/2014/main" xmlns="" id="{5FA3191E-14EF-4DC3-AD93-CA289B12B4C9}"/>
+                <a16:creationId xmlns:a16="http://schemas.microsoft.com/office/drawing/2014/main" id="{5FA3191E-14EF-4DC3-AD93-CA289B12B4C9}"/>
               </a:ext>
             </a:extLst>
           </p:cNvPr>
@@ -5000,7 +5000,7 @@
           <p:cNvPr id="46" name="Straight Connector 45">
             <a:extLst>
               <a:ext uri="{FF2B5EF4-FFF2-40B4-BE49-F238E27FC236}">
-                <a16:creationId xmlns:a16="http://schemas.microsoft.com/office/drawing/2014/main" xmlns="" id="{AB530A8A-ABDE-4B7F-B28B-A9B499B32225}"/>
+                <a16:creationId xmlns:a16="http://schemas.microsoft.com/office/drawing/2014/main" id="{AB530A8A-ABDE-4B7F-B28B-A9B499B32225}"/>
               </a:ext>
             </a:extLst>
           </p:cNvPr>
@@ -5037,7 +5037,7 @@
           <p:cNvPr id="47" name="Straight Connector 46">
             <a:extLst>
               <a:ext uri="{FF2B5EF4-FFF2-40B4-BE49-F238E27FC236}">
-                <a16:creationId xmlns:a16="http://schemas.microsoft.com/office/drawing/2014/main" xmlns="" id="{E5ADF575-91AD-4F69-BA66-356B62AEB683}"/>
+                <a16:creationId xmlns:a16="http://schemas.microsoft.com/office/drawing/2014/main" id="{E5ADF575-91AD-4F69-BA66-356B62AEB683}"/>
               </a:ext>
             </a:extLst>
           </p:cNvPr>
@@ -5074,7 +5074,7 @@
           <p:cNvPr id="48" name="Straight Connector 47">
             <a:extLst>
               <a:ext uri="{FF2B5EF4-FFF2-40B4-BE49-F238E27FC236}">
-                <a16:creationId xmlns:a16="http://schemas.microsoft.com/office/drawing/2014/main" xmlns="" id="{D60C0104-2410-4352-A800-FD0292CC11A7}"/>
+                <a16:creationId xmlns:a16="http://schemas.microsoft.com/office/drawing/2014/main" id="{D60C0104-2410-4352-A800-FD0292CC11A7}"/>
               </a:ext>
             </a:extLst>
           </p:cNvPr>
@@ -5111,7 +5111,7 @@
           <p:cNvPr id="49" name="Straight Connector 48">
             <a:extLst>
               <a:ext uri="{FF2B5EF4-FFF2-40B4-BE49-F238E27FC236}">
-                <a16:creationId xmlns:a16="http://schemas.microsoft.com/office/drawing/2014/main" xmlns="" id="{10FB7F08-6662-4D0C-AFAB-CFFDE9B1CA0A}"/>
+                <a16:creationId xmlns:a16="http://schemas.microsoft.com/office/drawing/2014/main" id="{10FB7F08-6662-4D0C-AFAB-CFFDE9B1CA0A}"/>
               </a:ext>
             </a:extLst>
           </p:cNvPr>
@@ -5148,7 +5148,7 @@
           <p:cNvPr id="50" name="Straight Connector 49">
             <a:extLst>
               <a:ext uri="{FF2B5EF4-FFF2-40B4-BE49-F238E27FC236}">
-                <a16:creationId xmlns:a16="http://schemas.microsoft.com/office/drawing/2014/main" xmlns="" id="{379635D4-E3FF-4174-A648-032E9615851B}"/>
+                <a16:creationId xmlns:a16="http://schemas.microsoft.com/office/drawing/2014/main" id="{379635D4-E3FF-4174-A648-032E9615851B}"/>
               </a:ext>
             </a:extLst>
           </p:cNvPr>
@@ -5187,7 +5187,7 @@
           <p:cNvPr id="51" name="Straight Connector 50">
             <a:extLst>
               <a:ext uri="{FF2B5EF4-FFF2-40B4-BE49-F238E27FC236}">
-                <a16:creationId xmlns:a16="http://schemas.microsoft.com/office/drawing/2014/main" xmlns="" id="{0601A2EF-9181-444B-8898-83A36D09B869}"/>
+                <a16:creationId xmlns:a16="http://schemas.microsoft.com/office/drawing/2014/main" id="{0601A2EF-9181-444B-8898-83A36D09B869}"/>
               </a:ext>
             </a:extLst>
           </p:cNvPr>
@@ -5226,7 +5226,7 @@
           <p:cNvPr id="52" name="Straight Connector 51">
             <a:extLst>
               <a:ext uri="{FF2B5EF4-FFF2-40B4-BE49-F238E27FC236}">
-                <a16:creationId xmlns:a16="http://schemas.microsoft.com/office/drawing/2014/main" xmlns="" id="{307F38C1-A87B-4D59-BE69-6A23413F5870}"/>
+                <a16:creationId xmlns:a16="http://schemas.microsoft.com/office/drawing/2014/main" id="{307F38C1-A87B-4D59-BE69-6A23413F5870}"/>
               </a:ext>
             </a:extLst>
           </p:cNvPr>
@@ -5318,7 +5318,7 @@
           <p:cNvPr id="13" name="Picture 12">
             <a:extLst>
               <a:ext uri="{FF2B5EF4-FFF2-40B4-BE49-F238E27FC236}">
-                <a16:creationId xmlns:a16="http://schemas.microsoft.com/office/drawing/2014/main" xmlns="" id="{C00C2D88-4D3E-4C4B-AFD7-B7EA2768B8F5}"/>
+                <a16:creationId xmlns:a16="http://schemas.microsoft.com/office/drawing/2014/main" id="{C00C2D88-4D3E-4C4B-AFD7-B7EA2768B8F5}"/>
               </a:ext>
             </a:extLst>
           </p:cNvPr>
@@ -5347,7 +5347,7 @@
           <p:cNvPr id="3" name="Date Placeholder 2">
             <a:extLst>
               <a:ext uri="{FF2B5EF4-FFF2-40B4-BE49-F238E27FC236}">
-                <a16:creationId xmlns:a16="http://schemas.microsoft.com/office/drawing/2014/main" xmlns="" id="{FAA51FC5-6AB6-4A04-9304-C6C88E9B29FA}"/>
+                <a16:creationId xmlns:a16="http://schemas.microsoft.com/office/drawing/2014/main" id="{FAA51FC5-6AB6-4A04-9304-C6C88E9B29FA}"/>
               </a:ext>
             </a:extLst>
           </p:cNvPr>
@@ -5366,7 +5366,7 @@
             <a:fld id="{055373AC-9AA7-423B-BA00-BA1C74164DBD}" type="datetime1">
               <a:rPr lang="en-US" smtClean="0"/>
               <a:pPr/>
-              <a:t>7/9/2019</a:t>
+              <a:t>7/19/2019</a:t>
             </a:fld>
             <a:endParaRPr lang="en-US" dirty="0"/>
           </a:p>
@@ -5377,7 +5377,7 @@
           <p:cNvPr id="4" name="Footer Placeholder 3">
             <a:extLst>
               <a:ext uri="{FF2B5EF4-FFF2-40B4-BE49-F238E27FC236}">
-                <a16:creationId xmlns:a16="http://schemas.microsoft.com/office/drawing/2014/main" xmlns="" id="{75D83D18-FDC7-4C48-A949-71D2969C594A}"/>
+                <a16:creationId xmlns:a16="http://schemas.microsoft.com/office/drawing/2014/main" id="{75D83D18-FDC7-4C48-A949-71D2969C594A}"/>
               </a:ext>
             </a:extLst>
           </p:cNvPr>
@@ -5402,7 +5402,7 @@
           <p:cNvPr id="5" name="Slide Number Placeholder 4">
             <a:extLst>
               <a:ext uri="{FF2B5EF4-FFF2-40B4-BE49-F238E27FC236}">
-                <a16:creationId xmlns:a16="http://schemas.microsoft.com/office/drawing/2014/main" xmlns="" id="{6AFAD92E-A653-4789-B55D-8A2181002B59}"/>
+                <a16:creationId xmlns:a16="http://schemas.microsoft.com/office/drawing/2014/main" id="{6AFAD92E-A653-4789-B55D-8A2181002B59}"/>
               </a:ext>
             </a:extLst>
           </p:cNvPr>
@@ -5433,7 +5433,7 @@
             <a:hlinkClick r:id="rId3"/>
             <a:extLst>
               <a:ext uri="{FF2B5EF4-FFF2-40B4-BE49-F238E27FC236}">
-                <a16:creationId xmlns:a16="http://schemas.microsoft.com/office/drawing/2014/main" xmlns="" id="{7C54483B-C622-499B-BAE8-467BFD3E1080}"/>
+                <a16:creationId xmlns:a16="http://schemas.microsoft.com/office/drawing/2014/main" id="{7C54483B-C622-499B-BAE8-467BFD3E1080}"/>
               </a:ext>
             </a:extLst>
           </p:cNvPr>
@@ -5472,7 +5472,7 @@
             <a:hlinkClick r:id="rId5"/>
             <a:extLst>
               <a:ext uri="{FF2B5EF4-FFF2-40B4-BE49-F238E27FC236}">
-                <a16:creationId xmlns:a16="http://schemas.microsoft.com/office/drawing/2014/main" xmlns="" id="{7AF9BEA8-CB87-4D39-873A-4E7E04D46685}"/>
+                <a16:creationId xmlns:a16="http://schemas.microsoft.com/office/drawing/2014/main" id="{7AF9BEA8-CB87-4D39-873A-4E7E04D46685}"/>
               </a:ext>
             </a:extLst>
           </p:cNvPr>
@@ -5511,7 +5511,7 @@
             <a:hlinkClick r:id="rId7"/>
             <a:extLst>
               <a:ext uri="{FF2B5EF4-FFF2-40B4-BE49-F238E27FC236}">
-                <a16:creationId xmlns:a16="http://schemas.microsoft.com/office/drawing/2014/main" xmlns="" id="{7DFD3364-5D9B-4B91-B09C-8540E820560A}"/>
+                <a16:creationId xmlns:a16="http://schemas.microsoft.com/office/drawing/2014/main" id="{7DFD3364-5D9B-4B91-B09C-8540E820560A}"/>
               </a:ext>
             </a:extLst>
           </p:cNvPr>
@@ -5550,7 +5550,7 @@
             <a:hlinkClick r:id="rId9"/>
             <a:extLst>
               <a:ext uri="{FF2B5EF4-FFF2-40B4-BE49-F238E27FC236}">
-                <a16:creationId xmlns:a16="http://schemas.microsoft.com/office/drawing/2014/main" xmlns="" id="{F0386401-29A7-4448-AB68-1289BA211F55}"/>
+                <a16:creationId xmlns:a16="http://schemas.microsoft.com/office/drawing/2014/main" id="{F0386401-29A7-4448-AB68-1289BA211F55}"/>
               </a:ext>
             </a:extLst>
           </p:cNvPr>
@@ -5588,7 +5588,7 @@
             <a:hlinkClick r:id="rId11"/>
             <a:extLst>
               <a:ext uri="{FF2B5EF4-FFF2-40B4-BE49-F238E27FC236}">
-                <a16:creationId xmlns:a16="http://schemas.microsoft.com/office/drawing/2014/main" xmlns="" id="{CDC9F208-E4B0-4626-BBAD-F54DFF0CF9B5}"/>
+                <a16:creationId xmlns:a16="http://schemas.microsoft.com/office/drawing/2014/main" id="{CDC9F208-E4B0-4626-BBAD-F54DFF0CF9B5}"/>
               </a:ext>
             </a:extLst>
           </p:cNvPr>
@@ -5627,7 +5627,7 @@
             <a:hlinkClick r:id="rId13"/>
             <a:extLst>
               <a:ext uri="{FF2B5EF4-FFF2-40B4-BE49-F238E27FC236}">
-                <a16:creationId xmlns:a16="http://schemas.microsoft.com/office/drawing/2014/main" xmlns="" id="{1DE8CA65-1470-4A40-9B49-AFF7E19C21A0}"/>
+                <a16:creationId xmlns:a16="http://schemas.microsoft.com/office/drawing/2014/main" id="{1DE8CA65-1470-4A40-9B49-AFF7E19C21A0}"/>
               </a:ext>
             </a:extLst>
           </p:cNvPr>
@@ -5665,7 +5665,7 @@
           <p:cNvPr id="14" name="Rectangle 13">
             <a:extLst>
               <a:ext uri="{FF2B5EF4-FFF2-40B4-BE49-F238E27FC236}">
-                <a16:creationId xmlns:a16="http://schemas.microsoft.com/office/drawing/2014/main" xmlns="" id="{26991FD8-5C91-4C3D-9F00-7203C811B463}"/>
+                <a16:creationId xmlns:a16="http://schemas.microsoft.com/office/drawing/2014/main" id="{26991FD8-5C91-4C3D-9F00-7203C811B463}"/>
               </a:ext>
             </a:extLst>
           </p:cNvPr>
@@ -5746,7 +5746,7 @@
           <p:cNvPr id="2" name="Title 1">
             <a:extLst>
               <a:ext uri="{FF2B5EF4-FFF2-40B4-BE49-F238E27FC236}">
-                <a16:creationId xmlns:a16="http://schemas.microsoft.com/office/drawing/2014/main" xmlns="" id="{239E3AAC-161E-41EF-A701-E46A497FCC37}"/>
+                <a16:creationId xmlns:a16="http://schemas.microsoft.com/office/drawing/2014/main" id="{239E3AAC-161E-41EF-A701-E46A497FCC37}"/>
               </a:ext>
             </a:extLst>
           </p:cNvPr>
@@ -5792,7 +5792,7 @@
           <p:cNvPr id="15" name="Picture 14">
             <a:extLst>
               <a:ext uri="{FF2B5EF4-FFF2-40B4-BE49-F238E27FC236}">
-                <a16:creationId xmlns:a16="http://schemas.microsoft.com/office/drawing/2014/main" xmlns="" id="{3F691F48-DCAC-4489-AA09-7346B7E67855}"/>
+                <a16:creationId xmlns:a16="http://schemas.microsoft.com/office/drawing/2014/main" id="{3F691F48-DCAC-4489-AA09-7346B7E67855}"/>
               </a:ext>
             </a:extLst>
           </p:cNvPr>
@@ -5867,7 +5867,7 @@
           <p:cNvPr id="13" name="Picture 12">
             <a:extLst>
               <a:ext uri="{FF2B5EF4-FFF2-40B4-BE49-F238E27FC236}">
-                <a16:creationId xmlns:a16="http://schemas.microsoft.com/office/drawing/2014/main" xmlns="" id="{C00C2D88-4D3E-4C4B-AFD7-B7EA2768B8F5}"/>
+                <a16:creationId xmlns:a16="http://schemas.microsoft.com/office/drawing/2014/main" id="{C00C2D88-4D3E-4C4B-AFD7-B7EA2768B8F5}"/>
               </a:ext>
             </a:extLst>
           </p:cNvPr>
@@ -5896,7 +5896,7 @@
           <p:cNvPr id="14" name="Rectangle 13">
             <a:extLst>
               <a:ext uri="{FF2B5EF4-FFF2-40B4-BE49-F238E27FC236}">
-                <a16:creationId xmlns:a16="http://schemas.microsoft.com/office/drawing/2014/main" xmlns="" id="{26991FD8-5C91-4C3D-9F00-7203C811B463}"/>
+                <a16:creationId xmlns:a16="http://schemas.microsoft.com/office/drawing/2014/main" id="{26991FD8-5C91-4C3D-9F00-7203C811B463}"/>
               </a:ext>
             </a:extLst>
           </p:cNvPr>
@@ -5977,7 +5977,7 @@
           <p:cNvPr id="2" name="Title 1">
             <a:extLst>
               <a:ext uri="{FF2B5EF4-FFF2-40B4-BE49-F238E27FC236}">
-                <a16:creationId xmlns:a16="http://schemas.microsoft.com/office/drawing/2014/main" xmlns="" id="{239E3AAC-161E-41EF-A701-E46A497FCC37}"/>
+                <a16:creationId xmlns:a16="http://schemas.microsoft.com/office/drawing/2014/main" id="{239E3AAC-161E-41EF-A701-E46A497FCC37}"/>
               </a:ext>
             </a:extLst>
           </p:cNvPr>
@@ -6024,7 +6024,7 @@
             <a:hlinkClick r:id="rId3"/>
             <a:extLst>
               <a:ext uri="{FF2B5EF4-FFF2-40B4-BE49-F238E27FC236}">
-                <a16:creationId xmlns:a16="http://schemas.microsoft.com/office/drawing/2014/main" xmlns="" id="{61839306-7842-46B9-A463-C24420A37C0A}"/>
+                <a16:creationId xmlns:a16="http://schemas.microsoft.com/office/drawing/2014/main" id="{61839306-7842-46B9-A463-C24420A37C0A}"/>
               </a:ext>
             </a:extLst>
           </p:cNvPr>
@@ -6068,7 +6068,7 @@
             <a:hlinkClick r:id="rId5"/>
             <a:extLst>
               <a:ext uri="{FF2B5EF4-FFF2-40B4-BE49-F238E27FC236}">
-                <a16:creationId xmlns:a16="http://schemas.microsoft.com/office/drawing/2014/main" xmlns="" id="{F5EB795D-0B62-4CCB-983D-13BD9B3CD0A5}"/>
+                <a16:creationId xmlns:a16="http://schemas.microsoft.com/office/drawing/2014/main" id="{F5EB795D-0B62-4CCB-983D-13BD9B3CD0A5}"/>
               </a:ext>
             </a:extLst>
           </p:cNvPr>
@@ -6116,7 +6116,7 @@
             <a:hlinkClick r:id="rId7"/>
             <a:extLst>
               <a:ext uri="{FF2B5EF4-FFF2-40B4-BE49-F238E27FC236}">
-                <a16:creationId xmlns:a16="http://schemas.microsoft.com/office/drawing/2014/main" xmlns="" id="{91C19F79-E05B-4929-A929-287F44EB3C94}"/>
+                <a16:creationId xmlns:a16="http://schemas.microsoft.com/office/drawing/2014/main" id="{91C19F79-E05B-4929-A929-287F44EB3C94}"/>
               </a:ext>
             </a:extLst>
           </p:cNvPr>
@@ -6164,7 +6164,7 @@
             <a:hlinkClick r:id="rId9"/>
             <a:extLst>
               <a:ext uri="{FF2B5EF4-FFF2-40B4-BE49-F238E27FC236}">
-                <a16:creationId xmlns:a16="http://schemas.microsoft.com/office/drawing/2014/main" xmlns="" id="{B38FBC35-D604-40D3-8560-90C506EBA728}"/>
+                <a16:creationId xmlns:a16="http://schemas.microsoft.com/office/drawing/2014/main" id="{B38FBC35-D604-40D3-8560-90C506EBA728}"/>
               </a:ext>
             </a:extLst>
           </p:cNvPr>
@@ -6210,7 +6210,7 @@
             <a:hlinkClick r:id="rId11"/>
             <a:extLst>
               <a:ext uri="{FF2B5EF4-FFF2-40B4-BE49-F238E27FC236}">
-                <a16:creationId xmlns:a16="http://schemas.microsoft.com/office/drawing/2014/main" xmlns="" id="{71103A5B-EAFD-46BF-93EB-10FFF58B7532}"/>
+                <a16:creationId xmlns:a16="http://schemas.microsoft.com/office/drawing/2014/main" id="{71103A5B-EAFD-46BF-93EB-10FFF58B7532}"/>
               </a:ext>
             </a:extLst>
           </p:cNvPr>
@@ -6258,7 +6258,7 @@
             <a:hlinkClick r:id="rId13"/>
             <a:extLst>
               <a:ext uri="{FF2B5EF4-FFF2-40B4-BE49-F238E27FC236}">
-                <a16:creationId xmlns:a16="http://schemas.microsoft.com/office/drawing/2014/main" xmlns="" id="{EDA50EFF-7A2E-4BB9-A7A8-5BBF9EE3DB69}"/>
+                <a16:creationId xmlns:a16="http://schemas.microsoft.com/office/drawing/2014/main" id="{EDA50EFF-7A2E-4BB9-A7A8-5BBF9EE3DB69}"/>
               </a:ext>
             </a:extLst>
           </p:cNvPr>
@@ -6305,7 +6305,7 @@
           <p:cNvPr id="21" name="Picture 20">
             <a:extLst>
               <a:ext uri="{FF2B5EF4-FFF2-40B4-BE49-F238E27FC236}">
-                <a16:creationId xmlns:a16="http://schemas.microsoft.com/office/drawing/2014/main" xmlns="" id="{31C8BF23-28B4-4942-902F-58C0B92A760B}"/>
+                <a16:creationId xmlns:a16="http://schemas.microsoft.com/office/drawing/2014/main" id="{31C8BF23-28B4-4942-902F-58C0B92A760B}"/>
               </a:ext>
             </a:extLst>
           </p:cNvPr>
@@ -6380,7 +6380,7 @@
           <p:cNvPr id="8" name="Picture 7">
             <a:extLst>
               <a:ext uri="{FF2B5EF4-FFF2-40B4-BE49-F238E27FC236}">
-                <a16:creationId xmlns:a16="http://schemas.microsoft.com/office/drawing/2014/main" xmlns="" id="{21DA41A3-0295-46DF-A320-41070D15EA50}"/>
+                <a16:creationId xmlns:a16="http://schemas.microsoft.com/office/drawing/2014/main" id="{21DA41A3-0295-46DF-A320-41070D15EA50}"/>
               </a:ext>
             </a:extLst>
           </p:cNvPr>
@@ -6409,7 +6409,7 @@
           <p:cNvPr id="12" name="Content Placeholder 3">
             <a:extLst>
               <a:ext uri="{FF2B5EF4-FFF2-40B4-BE49-F238E27FC236}">
-                <a16:creationId xmlns:a16="http://schemas.microsoft.com/office/drawing/2014/main" xmlns="" id="{0C1F9416-8B6E-46DE-973C-777785E27A26}"/>
+                <a16:creationId xmlns:a16="http://schemas.microsoft.com/office/drawing/2014/main" id="{0C1F9416-8B6E-46DE-973C-777785E27A26}"/>
               </a:ext>
             </a:extLst>
           </p:cNvPr>
@@ -6635,7 +6635,7 @@
             <a:hlinkClick r:id="rId7" tooltip="Software University @ Facebook"/>
             <a:extLst>
               <a:ext uri="{FF2B5EF4-FFF2-40B4-BE49-F238E27FC236}">
-                <a16:creationId xmlns:a16="http://schemas.microsoft.com/office/drawing/2014/main" xmlns="" id="{0101C673-F197-4525-ADDC-FFD181E4E167}"/>
+                <a16:creationId xmlns:a16="http://schemas.microsoft.com/office/drawing/2014/main" id="{0101C673-F197-4525-ADDC-FFD181E4E167}"/>
               </a:ext>
             </a:extLst>
           </p:cNvPr>
@@ -6682,7 +6682,7 @@
             <a:hlinkClick r:id="rId6" tooltip="Software University Discussion Forum"/>
             <a:extLst>
               <a:ext uri="{FF2B5EF4-FFF2-40B4-BE49-F238E27FC236}">
-                <a16:creationId xmlns:a16="http://schemas.microsoft.com/office/drawing/2014/main" xmlns="" id="{A584039C-C3B0-4714-A6D0-181CA3D2DD26}"/>
+                <a16:creationId xmlns:a16="http://schemas.microsoft.com/office/drawing/2014/main" id="{A584039C-C3B0-4714-A6D0-181CA3D2DD26}"/>
               </a:ext>
             </a:extLst>
           </p:cNvPr>
@@ -6719,7 +6719,7 @@
             <a:hlinkClick r:id="rId3"/>
             <a:extLst>
               <a:ext uri="{FF2B5EF4-FFF2-40B4-BE49-F238E27FC236}">
-                <a16:creationId xmlns:a16="http://schemas.microsoft.com/office/drawing/2014/main" xmlns="" id="{07C965FA-A87E-4824-AFA8-C67AF548A76A}"/>
+                <a16:creationId xmlns:a16="http://schemas.microsoft.com/office/drawing/2014/main" id="{07C965FA-A87E-4824-AFA8-C67AF548A76A}"/>
               </a:ext>
             </a:extLst>
           </p:cNvPr>
@@ -6755,7 +6755,7 @@
           <p:cNvPr id="3" name="Picture 2">
             <a:extLst>
               <a:ext uri="{FF2B5EF4-FFF2-40B4-BE49-F238E27FC236}">
-                <a16:creationId xmlns:a16="http://schemas.microsoft.com/office/drawing/2014/main" xmlns="" id="{7DC5D9AB-27D1-4866-B85E-1728987FAEF5}"/>
+                <a16:creationId xmlns:a16="http://schemas.microsoft.com/office/drawing/2014/main" id="{7DC5D9AB-27D1-4866-B85E-1728987FAEF5}"/>
               </a:ext>
             </a:extLst>
           </p:cNvPr>
@@ -6791,7 +6791,7 @@
           <p:cNvPr id="10" name="Rectangle 9">
             <a:extLst>
               <a:ext uri="{FF2B5EF4-FFF2-40B4-BE49-F238E27FC236}">
-                <a16:creationId xmlns:a16="http://schemas.microsoft.com/office/drawing/2014/main" xmlns="" id="{86646B95-5E3B-4DE8-9118-031C2C296D8C}"/>
+                <a16:creationId xmlns:a16="http://schemas.microsoft.com/office/drawing/2014/main" id="{86646B95-5E3B-4DE8-9118-031C2C296D8C}"/>
               </a:ext>
             </a:extLst>
           </p:cNvPr>
@@ -6872,7 +6872,7 @@
           <p:cNvPr id="18" name="Title 17">
             <a:extLst>
               <a:ext uri="{FF2B5EF4-FFF2-40B4-BE49-F238E27FC236}">
-                <a16:creationId xmlns:a16="http://schemas.microsoft.com/office/drawing/2014/main" xmlns="" id="{AE87ED9C-76E1-4D85-9B06-3AF44AABB668}"/>
+                <a16:creationId xmlns:a16="http://schemas.microsoft.com/office/drawing/2014/main" id="{AE87ED9C-76E1-4D85-9B06-3AF44AABB668}"/>
               </a:ext>
             </a:extLst>
           </p:cNvPr>
@@ -7472,7 +7472,7 @@
           <p:cNvPr id="10" name="Picture 9">
             <a:extLst>
               <a:ext uri="{FF2B5EF4-FFF2-40B4-BE49-F238E27FC236}">
-                <a16:creationId xmlns:a16="http://schemas.microsoft.com/office/drawing/2014/main" xmlns="" id="{89AD94B5-9922-4E42-89CE-3C445EFB152E}"/>
+                <a16:creationId xmlns:a16="http://schemas.microsoft.com/office/drawing/2014/main" id="{89AD94B5-9922-4E42-89CE-3C445EFB152E}"/>
               </a:ext>
             </a:extLst>
           </p:cNvPr>
@@ -7501,7 +7501,7 @@
           <p:cNvPr id="13" name="Rectangle 12">
             <a:extLst>
               <a:ext uri="{FF2B5EF4-FFF2-40B4-BE49-F238E27FC236}">
-                <a16:creationId xmlns:a16="http://schemas.microsoft.com/office/drawing/2014/main" xmlns="" id="{391AFA4E-7870-4561-A1B8-AC956B0C8931}"/>
+                <a16:creationId xmlns:a16="http://schemas.microsoft.com/office/drawing/2014/main" id="{391AFA4E-7870-4561-A1B8-AC956B0C8931}"/>
               </a:ext>
             </a:extLst>
           </p:cNvPr>
@@ -7582,7 +7582,7 @@
           <p:cNvPr id="3" name="Text Placeholder 2">
             <a:extLst>
               <a:ext uri="{FF2B5EF4-FFF2-40B4-BE49-F238E27FC236}">
-                <a16:creationId xmlns:a16="http://schemas.microsoft.com/office/drawing/2014/main" xmlns="" id="{5A9D2960-6D42-439F-82E8-812822013A10}"/>
+                <a16:creationId xmlns:a16="http://schemas.microsoft.com/office/drawing/2014/main" id="{5A9D2960-6D42-439F-82E8-812822013A10}"/>
               </a:ext>
             </a:extLst>
           </p:cNvPr>
@@ -7645,7 +7645,7 @@
           <p:cNvPr id="6" name="Title 5">
             <a:extLst>
               <a:ext uri="{FF2B5EF4-FFF2-40B4-BE49-F238E27FC236}">
-                <a16:creationId xmlns:a16="http://schemas.microsoft.com/office/drawing/2014/main" xmlns="" id="{19B5B676-7892-440F-8191-7109B2C59885}"/>
+                <a16:creationId xmlns:a16="http://schemas.microsoft.com/office/drawing/2014/main" id="{19B5B676-7892-440F-8191-7109B2C59885}"/>
               </a:ext>
             </a:extLst>
           </p:cNvPr>
@@ -7681,7 +7681,7 @@
           <p:cNvPr id="2" name="Date Placeholder 1">
             <a:extLst>
               <a:ext uri="{FF2B5EF4-FFF2-40B4-BE49-F238E27FC236}">
-                <a16:creationId xmlns:a16="http://schemas.microsoft.com/office/drawing/2014/main" xmlns="" id="{303E2769-FF5C-435B-BEDD-ABA3B8F1B976}"/>
+                <a16:creationId xmlns:a16="http://schemas.microsoft.com/office/drawing/2014/main" id="{303E2769-FF5C-435B-BEDD-ABA3B8F1B976}"/>
               </a:ext>
             </a:extLst>
           </p:cNvPr>
@@ -7700,7 +7700,7 @@
             <a:fld id="{055373AC-9AA7-423B-BA00-BA1C74164DBD}" type="datetime1">
               <a:rPr lang="en-US" smtClean="0"/>
               <a:pPr/>
-              <a:t>7/9/2019</a:t>
+              <a:t>7/19/2019</a:t>
             </a:fld>
             <a:endParaRPr lang="en-US" dirty="0"/>
           </a:p>
@@ -7711,7 +7711,7 @@
           <p:cNvPr id="4" name="Footer Placeholder 3">
             <a:extLst>
               <a:ext uri="{FF2B5EF4-FFF2-40B4-BE49-F238E27FC236}">
-                <a16:creationId xmlns:a16="http://schemas.microsoft.com/office/drawing/2014/main" xmlns="" id="{9CB6AD27-58D7-46FA-99F8-E5BB835ADA68}"/>
+                <a16:creationId xmlns:a16="http://schemas.microsoft.com/office/drawing/2014/main" id="{9CB6AD27-58D7-46FA-99F8-E5BB835ADA68}"/>
               </a:ext>
             </a:extLst>
           </p:cNvPr>
@@ -7736,7 +7736,7 @@
           <p:cNvPr id="5" name="Slide Number Placeholder 4">
             <a:extLst>
               <a:ext uri="{FF2B5EF4-FFF2-40B4-BE49-F238E27FC236}">
-                <a16:creationId xmlns:a16="http://schemas.microsoft.com/office/drawing/2014/main" xmlns="" id="{389DA7C9-2FCE-40EB-BF32-C6983222020F}"/>
+                <a16:creationId xmlns:a16="http://schemas.microsoft.com/office/drawing/2014/main" id="{389DA7C9-2FCE-40EB-BF32-C6983222020F}"/>
               </a:ext>
             </a:extLst>
           </p:cNvPr>
@@ -7766,7 +7766,7 @@
           <p:cNvPr id="11" name="Picture 10">
             <a:extLst>
               <a:ext uri="{FF2B5EF4-FFF2-40B4-BE49-F238E27FC236}">
-                <a16:creationId xmlns:a16="http://schemas.microsoft.com/office/drawing/2014/main" xmlns="" id="{0991B60F-461F-45D1-A35C-8AC3D83E7AD8}"/>
+                <a16:creationId xmlns:a16="http://schemas.microsoft.com/office/drawing/2014/main" id="{0991B60F-461F-45D1-A35C-8AC3D83E7AD8}"/>
               </a:ext>
             </a:extLst>
           </p:cNvPr>
@@ -7886,7 +7886,7 @@
             <a:fld id="{055373AC-9AA7-423B-BA00-BA1C74164DBD}" type="datetime1">
               <a:rPr lang="en-US" smtClean="0"/>
               <a:pPr/>
-              <a:t>7/9/2019</a:t>
+              <a:t>7/19/2019</a:t>
             </a:fld>
             <a:endParaRPr lang="en-US" dirty="0"/>
           </a:p>
@@ -8098,7 +8098,7 @@
           <p:cNvPr id="8" name="Picture 7">
             <a:extLst>
               <a:ext uri="{FF2B5EF4-FFF2-40B4-BE49-F238E27FC236}">
-                <a16:creationId xmlns:a16="http://schemas.microsoft.com/office/drawing/2014/main" xmlns="" id="{51D88274-EADB-4D91-A3FA-46509D5A9E48}"/>
+                <a16:creationId xmlns:a16="http://schemas.microsoft.com/office/drawing/2014/main" id="{51D88274-EADB-4D91-A3FA-46509D5A9E48}"/>
               </a:ext>
             </a:extLst>
           </p:cNvPr>
@@ -8164,7 +8164,7 @@
           <p:cNvPr id="11" name="Picture 10">
             <a:extLst>
               <a:ext uri="{FF2B5EF4-FFF2-40B4-BE49-F238E27FC236}">
-                <a16:creationId xmlns:a16="http://schemas.microsoft.com/office/drawing/2014/main" xmlns="" id="{C1E40596-5F7F-41C3-9807-7FA635B42492}"/>
+                <a16:creationId xmlns:a16="http://schemas.microsoft.com/office/drawing/2014/main" id="{C1E40596-5F7F-41C3-9807-7FA635B42492}"/>
               </a:ext>
             </a:extLst>
           </p:cNvPr>
@@ -8193,7 +8193,7 @@
           <p:cNvPr id="7" name="Rectangle 6">
             <a:extLst>
               <a:ext uri="{FF2B5EF4-FFF2-40B4-BE49-F238E27FC236}">
-                <a16:creationId xmlns:a16="http://schemas.microsoft.com/office/drawing/2014/main" xmlns="" id="{C5951C9B-3DEE-4E28-8D4C-55505E0CB6AB}"/>
+                <a16:creationId xmlns:a16="http://schemas.microsoft.com/office/drawing/2014/main" id="{C5951C9B-3DEE-4E28-8D4C-55505E0CB6AB}"/>
               </a:ext>
             </a:extLst>
           </p:cNvPr>
@@ -8274,7 +8274,7 @@
           <p:cNvPr id="9" name="Picture 8" descr="A drawing of a cartoon character&#10;&#10;Description generated with high confidence">
             <a:extLst>
               <a:ext uri="{FF2B5EF4-FFF2-40B4-BE49-F238E27FC236}">
-                <a16:creationId xmlns:a16="http://schemas.microsoft.com/office/drawing/2014/main" xmlns="" id="{DC4365F6-D2C1-47B4-8477-38FD2C7711AA}"/>
+                <a16:creationId xmlns:a16="http://schemas.microsoft.com/office/drawing/2014/main" id="{DC4365F6-D2C1-47B4-8477-38FD2C7711AA}"/>
               </a:ext>
             </a:extLst>
           </p:cNvPr>
@@ -8310,7 +8310,7 @@
           <p:cNvPr id="12" name="Title 11">
             <a:extLst>
               <a:ext uri="{FF2B5EF4-FFF2-40B4-BE49-F238E27FC236}">
-                <a16:creationId xmlns:a16="http://schemas.microsoft.com/office/drawing/2014/main" xmlns="" id="{48CCE616-2FC8-4941-8612-3EC8CFD842E0}"/>
+                <a16:creationId xmlns:a16="http://schemas.microsoft.com/office/drawing/2014/main" id="{48CCE616-2FC8-4941-8612-3EC8CFD842E0}"/>
               </a:ext>
             </a:extLst>
           </p:cNvPr>
@@ -8346,7 +8346,7 @@
           <p:cNvPr id="23" name="Text Placeholder 22">
             <a:extLst>
               <a:ext uri="{FF2B5EF4-FFF2-40B4-BE49-F238E27FC236}">
-                <a16:creationId xmlns:a16="http://schemas.microsoft.com/office/drawing/2014/main" xmlns="" id="{889D93F4-ABFA-46BF-8E5D-FE6562ACB20F}"/>
+                <a16:creationId xmlns:a16="http://schemas.microsoft.com/office/drawing/2014/main" id="{889D93F4-ABFA-46BF-8E5D-FE6562ACB20F}"/>
               </a:ext>
             </a:extLst>
           </p:cNvPr>
@@ -8405,7 +8405,7 @@
           <p:cNvPr id="10" name="Picture 9">
             <a:extLst>
               <a:ext uri="{FF2B5EF4-FFF2-40B4-BE49-F238E27FC236}">
-                <a16:creationId xmlns:a16="http://schemas.microsoft.com/office/drawing/2014/main" xmlns="" id="{DF7D6D63-C0D2-4213-B1FA-96890BDE6C03}"/>
+                <a16:creationId xmlns:a16="http://schemas.microsoft.com/office/drawing/2014/main" id="{DF7D6D63-C0D2-4213-B1FA-96890BDE6C03}"/>
               </a:ext>
             </a:extLst>
           </p:cNvPr>
@@ -8441,7 +8441,7 @@
           <p:cNvPr id="14" name="Date Placeholder 13">
             <a:extLst>
               <a:ext uri="{FF2B5EF4-FFF2-40B4-BE49-F238E27FC236}">
-                <a16:creationId xmlns:a16="http://schemas.microsoft.com/office/drawing/2014/main" xmlns="" id="{0AA6AF62-9F6D-4B1C-831C-72AACA29F786}"/>
+                <a16:creationId xmlns:a16="http://schemas.microsoft.com/office/drawing/2014/main" id="{0AA6AF62-9F6D-4B1C-831C-72AACA29F786}"/>
               </a:ext>
             </a:extLst>
           </p:cNvPr>
@@ -8460,7 +8460,7 @@
             <a:fld id="{055373AC-9AA7-423B-BA00-BA1C74164DBD}" type="datetime1">
               <a:rPr lang="en-US" smtClean="0"/>
               <a:pPr/>
-              <a:t>7/9/2019</a:t>
+              <a:t>7/19/2019</a:t>
             </a:fld>
             <a:endParaRPr lang="en-US" dirty="0"/>
           </a:p>
@@ -8471,7 +8471,7 @@
           <p:cNvPr id="15" name="Footer Placeholder 14">
             <a:extLst>
               <a:ext uri="{FF2B5EF4-FFF2-40B4-BE49-F238E27FC236}">
-                <a16:creationId xmlns:a16="http://schemas.microsoft.com/office/drawing/2014/main" xmlns="" id="{D92A8ED8-1E91-4F87-9AAB-0B939CA64F66}"/>
+                <a16:creationId xmlns:a16="http://schemas.microsoft.com/office/drawing/2014/main" id="{D92A8ED8-1E91-4F87-9AAB-0B939CA64F66}"/>
               </a:ext>
             </a:extLst>
           </p:cNvPr>
@@ -8496,7 +8496,7 @@
           <p:cNvPr id="16" name="Slide Number Placeholder 15">
             <a:extLst>
               <a:ext uri="{FF2B5EF4-FFF2-40B4-BE49-F238E27FC236}">
-                <a16:creationId xmlns:a16="http://schemas.microsoft.com/office/drawing/2014/main" xmlns="" id="{37E4C518-B0B3-4716-AB97-AC8ECA4F7C84}"/>
+                <a16:creationId xmlns:a16="http://schemas.microsoft.com/office/drawing/2014/main" id="{37E4C518-B0B3-4716-AB97-AC8ECA4F7C84}"/>
               </a:ext>
             </a:extLst>
           </p:cNvPr>
@@ -8565,7 +8565,7 @@
           <p:cNvPr id="6" name="Picture 5">
             <a:extLst>
               <a:ext uri="{FF2B5EF4-FFF2-40B4-BE49-F238E27FC236}">
-                <a16:creationId xmlns:a16="http://schemas.microsoft.com/office/drawing/2014/main" xmlns="" id="{455D431A-1BDA-40DB-B7D8-23653331B7C3}"/>
+                <a16:creationId xmlns:a16="http://schemas.microsoft.com/office/drawing/2014/main" id="{455D431A-1BDA-40DB-B7D8-23653331B7C3}"/>
               </a:ext>
             </a:extLst>
           </p:cNvPr>
@@ -8799,7 +8799,7 @@
           <p:cNvPr id="16" name="Picture 15">
             <a:extLst>
               <a:ext uri="{FF2B5EF4-FFF2-40B4-BE49-F238E27FC236}">
-                <a16:creationId xmlns:a16="http://schemas.microsoft.com/office/drawing/2014/main" xmlns="" id="{B0FF4B1E-24EA-407C-BFA6-24CCB6D4409A}"/>
+                <a16:creationId xmlns:a16="http://schemas.microsoft.com/office/drawing/2014/main" id="{B0FF4B1E-24EA-407C-BFA6-24CCB6D4409A}"/>
               </a:ext>
             </a:extLst>
           </p:cNvPr>
@@ -8983,7 +8983,7 @@
           <p:cNvPr id="7" name="Text Placeholder 6">
             <a:extLst>
               <a:ext uri="{FF2B5EF4-FFF2-40B4-BE49-F238E27FC236}">
-                <a16:creationId xmlns:a16="http://schemas.microsoft.com/office/drawing/2014/main" xmlns="" id="{CB4CB13C-66A1-466B-A6C1-B0BABF5CFEC1}"/>
+                <a16:creationId xmlns:a16="http://schemas.microsoft.com/office/drawing/2014/main" id="{CB4CB13C-66A1-466B-A6C1-B0BABF5CFEC1}"/>
               </a:ext>
             </a:extLst>
           </p:cNvPr>
@@ -9082,7 +9082,7 @@
           <p:cNvPr id="12" name="Title 11">
             <a:extLst>
               <a:ext uri="{FF2B5EF4-FFF2-40B4-BE49-F238E27FC236}">
-                <a16:creationId xmlns:a16="http://schemas.microsoft.com/office/drawing/2014/main" xmlns="" id="{4ED30444-7448-455E-ACFD-2D8F93C93971}"/>
+                <a16:creationId xmlns:a16="http://schemas.microsoft.com/office/drawing/2014/main" id="{4ED30444-7448-455E-ACFD-2D8F93C93971}"/>
               </a:ext>
             </a:extLst>
           </p:cNvPr>
@@ -9119,7 +9119,7 @@
           <p:cNvPr id="15" name="Picture 14">
             <a:extLst>
               <a:ext uri="{FF2B5EF4-FFF2-40B4-BE49-F238E27FC236}">
-                <a16:creationId xmlns:a16="http://schemas.microsoft.com/office/drawing/2014/main" xmlns="" id="{00505D47-5EAF-4709-A366-B1437B044AC8}"/>
+                <a16:creationId xmlns:a16="http://schemas.microsoft.com/office/drawing/2014/main" id="{00505D47-5EAF-4709-A366-B1437B044AC8}"/>
               </a:ext>
             </a:extLst>
           </p:cNvPr>
@@ -9155,7 +9155,7 @@
           <p:cNvPr id="8" name="Date Placeholder 7">
             <a:extLst>
               <a:ext uri="{FF2B5EF4-FFF2-40B4-BE49-F238E27FC236}">
-                <a16:creationId xmlns:a16="http://schemas.microsoft.com/office/drawing/2014/main" xmlns="" id="{CF9A2DC4-5280-4E93-B6D2-9709FE6D0627}"/>
+                <a16:creationId xmlns:a16="http://schemas.microsoft.com/office/drawing/2014/main" id="{CF9A2DC4-5280-4E93-B6D2-9709FE6D0627}"/>
               </a:ext>
             </a:extLst>
           </p:cNvPr>
@@ -9174,7 +9174,7 @@
             <a:fld id="{055373AC-9AA7-423B-BA00-BA1C74164DBD}" type="datetime1">
               <a:rPr lang="en-US" smtClean="0"/>
               <a:pPr/>
-              <a:t>7/9/2019</a:t>
+              <a:t>7/19/2019</a:t>
             </a:fld>
             <a:endParaRPr lang="en-US" dirty="0"/>
           </a:p>
@@ -9185,7 +9185,7 @@
           <p:cNvPr id="10" name="Footer Placeholder 9">
             <a:extLst>
               <a:ext uri="{FF2B5EF4-FFF2-40B4-BE49-F238E27FC236}">
-                <a16:creationId xmlns:a16="http://schemas.microsoft.com/office/drawing/2014/main" xmlns="" id="{FA4C1EE0-8040-49CB-9319-CF991DE7B325}"/>
+                <a16:creationId xmlns:a16="http://schemas.microsoft.com/office/drawing/2014/main" id="{FA4C1EE0-8040-49CB-9319-CF991DE7B325}"/>
               </a:ext>
             </a:extLst>
           </p:cNvPr>
@@ -9210,7 +9210,7 @@
           <p:cNvPr id="17" name="Slide Number Placeholder 16">
             <a:extLst>
               <a:ext uri="{FF2B5EF4-FFF2-40B4-BE49-F238E27FC236}">
-                <a16:creationId xmlns:a16="http://schemas.microsoft.com/office/drawing/2014/main" xmlns="" id="{1643825A-6B67-4224-B077-B526FC2A4C74}"/>
+                <a16:creationId xmlns:a16="http://schemas.microsoft.com/office/drawing/2014/main" id="{1643825A-6B67-4224-B077-B526FC2A4C74}"/>
               </a:ext>
             </a:extLst>
           </p:cNvPr>
@@ -9279,7 +9279,7 @@
           <p:cNvPr id="17" name="Picture 16">
             <a:extLst>
               <a:ext uri="{FF2B5EF4-FFF2-40B4-BE49-F238E27FC236}">
-                <a16:creationId xmlns:a16="http://schemas.microsoft.com/office/drawing/2014/main" xmlns="" id="{3DA6B0AA-1988-451B-88D4-0F726295570B}"/>
+                <a16:creationId xmlns:a16="http://schemas.microsoft.com/office/drawing/2014/main" id="{3DA6B0AA-1988-451B-88D4-0F726295570B}"/>
               </a:ext>
             </a:extLst>
           </p:cNvPr>
@@ -9308,7 +9308,7 @@
           <p:cNvPr id="12" name="Rectangle 11">
             <a:extLst>
               <a:ext uri="{FF2B5EF4-FFF2-40B4-BE49-F238E27FC236}">
-                <a16:creationId xmlns:a16="http://schemas.microsoft.com/office/drawing/2014/main" xmlns="" id="{345FB1C8-7F66-4D5C-ACCE-AE919936BCFD}"/>
+                <a16:creationId xmlns:a16="http://schemas.microsoft.com/office/drawing/2014/main" id="{345FB1C8-7F66-4D5C-ACCE-AE919936BCFD}"/>
               </a:ext>
             </a:extLst>
           </p:cNvPr>
@@ -9430,7 +9430,7 @@
           <p:cNvPr id="13" name="Title 11">
             <a:extLst>
               <a:ext uri="{FF2B5EF4-FFF2-40B4-BE49-F238E27FC236}">
-                <a16:creationId xmlns:a16="http://schemas.microsoft.com/office/drawing/2014/main" xmlns="" id="{0D5CC956-5C4A-44BE-8F8B-327FAFA51E97}"/>
+                <a16:creationId xmlns:a16="http://schemas.microsoft.com/office/drawing/2014/main" id="{0D5CC956-5C4A-44BE-8F8B-327FAFA51E97}"/>
               </a:ext>
             </a:extLst>
           </p:cNvPr>
@@ -9467,7 +9467,7 @@
           <p:cNvPr id="15" name="Text Placeholder 6">
             <a:extLst>
               <a:ext uri="{FF2B5EF4-FFF2-40B4-BE49-F238E27FC236}">
-                <a16:creationId xmlns:a16="http://schemas.microsoft.com/office/drawing/2014/main" xmlns="" id="{6157C8DE-E0AF-422B-BBB1-F0AF1264B5E9}"/>
+                <a16:creationId xmlns:a16="http://schemas.microsoft.com/office/drawing/2014/main" id="{6157C8DE-E0AF-422B-BBB1-F0AF1264B5E9}"/>
               </a:ext>
             </a:extLst>
           </p:cNvPr>
@@ -9566,7 +9566,7 @@
           <p:cNvPr id="2" name="Date Placeholder 1">
             <a:extLst>
               <a:ext uri="{FF2B5EF4-FFF2-40B4-BE49-F238E27FC236}">
-                <a16:creationId xmlns:a16="http://schemas.microsoft.com/office/drawing/2014/main" xmlns="" id="{3FF2A4EF-FDC7-4D65-91A0-D3473057251B}"/>
+                <a16:creationId xmlns:a16="http://schemas.microsoft.com/office/drawing/2014/main" id="{3FF2A4EF-FDC7-4D65-91A0-D3473057251B}"/>
               </a:ext>
             </a:extLst>
           </p:cNvPr>
@@ -9585,7 +9585,7 @@
             <a:fld id="{055373AC-9AA7-423B-BA00-BA1C74164DBD}" type="datetime1">
               <a:rPr lang="en-US" smtClean="0"/>
               <a:pPr/>
-              <a:t>7/9/2019</a:t>
+              <a:t>7/19/2019</a:t>
             </a:fld>
             <a:endParaRPr lang="en-US" dirty="0"/>
           </a:p>
@@ -9596,7 +9596,7 @@
           <p:cNvPr id="3" name="Footer Placeholder 2">
             <a:extLst>
               <a:ext uri="{FF2B5EF4-FFF2-40B4-BE49-F238E27FC236}">
-                <a16:creationId xmlns:a16="http://schemas.microsoft.com/office/drawing/2014/main" xmlns="" id="{2AD0B15D-022F-4B93-A0E6-6FC062C18AF1}"/>
+                <a16:creationId xmlns:a16="http://schemas.microsoft.com/office/drawing/2014/main" id="{2AD0B15D-022F-4B93-A0E6-6FC062C18AF1}"/>
               </a:ext>
             </a:extLst>
           </p:cNvPr>
@@ -9621,7 +9621,7 @@
           <p:cNvPr id="4" name="Slide Number Placeholder 3">
             <a:extLst>
               <a:ext uri="{FF2B5EF4-FFF2-40B4-BE49-F238E27FC236}">
-                <a16:creationId xmlns:a16="http://schemas.microsoft.com/office/drawing/2014/main" xmlns="" id="{72845B5C-C9D2-4885-BBE1-AE0D4F570CBF}"/>
+                <a16:creationId xmlns:a16="http://schemas.microsoft.com/office/drawing/2014/main" id="{72845B5C-C9D2-4885-BBE1-AE0D4F570CBF}"/>
               </a:ext>
             </a:extLst>
           </p:cNvPr>
@@ -9651,7 +9651,7 @@
           <p:cNvPr id="11" name="Picture 10">
             <a:extLst>
               <a:ext uri="{FF2B5EF4-FFF2-40B4-BE49-F238E27FC236}">
-                <a16:creationId xmlns:a16="http://schemas.microsoft.com/office/drawing/2014/main" xmlns="" id="{A1E6AED5-8603-4881-90EA-963A2A5A2C03}"/>
+                <a16:creationId xmlns:a16="http://schemas.microsoft.com/office/drawing/2014/main" id="{A1E6AED5-8603-4881-90EA-963A2A5A2C03}"/>
               </a:ext>
             </a:extLst>
           </p:cNvPr>
@@ -9726,7 +9726,7 @@
           <p:cNvPr id="10" name="Picture 9">
             <a:extLst>
               <a:ext uri="{FF2B5EF4-FFF2-40B4-BE49-F238E27FC236}">
-                <a16:creationId xmlns:a16="http://schemas.microsoft.com/office/drawing/2014/main" xmlns="" id="{89AD94B5-9922-4E42-89CE-3C445EFB152E}"/>
+                <a16:creationId xmlns:a16="http://schemas.microsoft.com/office/drawing/2014/main" id="{89AD94B5-9922-4E42-89CE-3C445EFB152E}"/>
               </a:ext>
             </a:extLst>
           </p:cNvPr>
@@ -9755,7 +9755,7 @@
           <p:cNvPr id="13" name="Rectangle 12">
             <a:extLst>
               <a:ext uri="{FF2B5EF4-FFF2-40B4-BE49-F238E27FC236}">
-                <a16:creationId xmlns:a16="http://schemas.microsoft.com/office/drawing/2014/main" xmlns="" id="{391AFA4E-7870-4561-A1B8-AC956B0C8931}"/>
+                <a16:creationId xmlns:a16="http://schemas.microsoft.com/office/drawing/2014/main" id="{391AFA4E-7870-4561-A1B8-AC956B0C8931}"/>
               </a:ext>
             </a:extLst>
           </p:cNvPr>
@@ -9836,7 +9836,7 @@
           <p:cNvPr id="3" name="Text Placeholder 2">
             <a:extLst>
               <a:ext uri="{FF2B5EF4-FFF2-40B4-BE49-F238E27FC236}">
-                <a16:creationId xmlns:a16="http://schemas.microsoft.com/office/drawing/2014/main" xmlns="" id="{5A9D2960-6D42-439F-82E8-812822013A10}"/>
+                <a16:creationId xmlns:a16="http://schemas.microsoft.com/office/drawing/2014/main" id="{5A9D2960-6D42-439F-82E8-812822013A10}"/>
               </a:ext>
             </a:extLst>
           </p:cNvPr>
@@ -9899,7 +9899,7 @@
           <p:cNvPr id="6" name="Title 5">
             <a:extLst>
               <a:ext uri="{FF2B5EF4-FFF2-40B4-BE49-F238E27FC236}">
-                <a16:creationId xmlns:a16="http://schemas.microsoft.com/office/drawing/2014/main" xmlns="" id="{19B5B676-7892-440F-8191-7109B2C59885}"/>
+                <a16:creationId xmlns:a16="http://schemas.microsoft.com/office/drawing/2014/main" id="{19B5B676-7892-440F-8191-7109B2C59885}"/>
               </a:ext>
             </a:extLst>
           </p:cNvPr>
@@ -9935,7 +9935,7 @@
           <p:cNvPr id="2" name="Date Placeholder 1">
             <a:extLst>
               <a:ext uri="{FF2B5EF4-FFF2-40B4-BE49-F238E27FC236}">
-                <a16:creationId xmlns:a16="http://schemas.microsoft.com/office/drawing/2014/main" xmlns="" id="{303E2769-FF5C-435B-BEDD-ABA3B8F1B976}"/>
+                <a16:creationId xmlns:a16="http://schemas.microsoft.com/office/drawing/2014/main" id="{303E2769-FF5C-435B-BEDD-ABA3B8F1B976}"/>
               </a:ext>
             </a:extLst>
           </p:cNvPr>
@@ -9954,7 +9954,7 @@
             <a:fld id="{055373AC-9AA7-423B-BA00-BA1C74164DBD}" type="datetime1">
               <a:rPr lang="en-US" smtClean="0"/>
               <a:pPr/>
-              <a:t>7/9/2019</a:t>
+              <a:t>7/19/2019</a:t>
             </a:fld>
             <a:endParaRPr lang="en-US" dirty="0"/>
           </a:p>
@@ -9965,7 +9965,7 @@
           <p:cNvPr id="4" name="Footer Placeholder 3">
             <a:extLst>
               <a:ext uri="{FF2B5EF4-FFF2-40B4-BE49-F238E27FC236}">
-                <a16:creationId xmlns:a16="http://schemas.microsoft.com/office/drawing/2014/main" xmlns="" id="{9CB6AD27-58D7-46FA-99F8-E5BB835ADA68}"/>
+                <a16:creationId xmlns:a16="http://schemas.microsoft.com/office/drawing/2014/main" id="{9CB6AD27-58D7-46FA-99F8-E5BB835ADA68}"/>
               </a:ext>
             </a:extLst>
           </p:cNvPr>
@@ -9990,7 +9990,7 @@
           <p:cNvPr id="5" name="Slide Number Placeholder 4">
             <a:extLst>
               <a:ext uri="{FF2B5EF4-FFF2-40B4-BE49-F238E27FC236}">
-                <a16:creationId xmlns:a16="http://schemas.microsoft.com/office/drawing/2014/main" xmlns="" id="{389DA7C9-2FCE-40EB-BF32-C6983222020F}"/>
+                <a16:creationId xmlns:a16="http://schemas.microsoft.com/office/drawing/2014/main" id="{389DA7C9-2FCE-40EB-BF32-C6983222020F}"/>
               </a:ext>
             </a:extLst>
           </p:cNvPr>
@@ -10020,7 +10020,7 @@
           <p:cNvPr id="11" name="Picture 10">
             <a:extLst>
               <a:ext uri="{FF2B5EF4-FFF2-40B4-BE49-F238E27FC236}">
-                <a16:creationId xmlns:a16="http://schemas.microsoft.com/office/drawing/2014/main" xmlns="" id="{0991B60F-461F-45D1-A35C-8AC3D83E7AD8}"/>
+                <a16:creationId xmlns:a16="http://schemas.microsoft.com/office/drawing/2014/main" id="{0991B60F-461F-45D1-A35C-8AC3D83E7AD8}"/>
               </a:ext>
             </a:extLst>
           </p:cNvPr>
@@ -10133,7 +10133,7 @@
           <p:cNvPr id="14" name="Picture 13">
             <a:extLst>
               <a:ext uri="{FF2B5EF4-FFF2-40B4-BE49-F238E27FC236}">
-                <a16:creationId xmlns:a16="http://schemas.microsoft.com/office/drawing/2014/main" xmlns="" id="{79D60504-DA9E-4357-9A0A-15E333FC2783}"/>
+                <a16:creationId xmlns:a16="http://schemas.microsoft.com/office/drawing/2014/main" id="{79D60504-DA9E-4357-9A0A-15E333FC2783}"/>
               </a:ext>
             </a:extLst>
           </p:cNvPr>
@@ -10162,7 +10162,7 @@
           <p:cNvPr id="13" name="Rectangle 12">
             <a:extLst>
               <a:ext uri="{FF2B5EF4-FFF2-40B4-BE49-F238E27FC236}">
-                <a16:creationId xmlns:a16="http://schemas.microsoft.com/office/drawing/2014/main" xmlns="" id="{57B03959-5ED4-4593-8CEF-2AE1A73775F5}"/>
+                <a16:creationId xmlns:a16="http://schemas.microsoft.com/office/drawing/2014/main" id="{57B03959-5ED4-4593-8CEF-2AE1A73775F5}"/>
               </a:ext>
             </a:extLst>
           </p:cNvPr>
@@ -10400,7 +10400,7 @@
           <p:cNvPr id="6" name="Title 5">
             <a:extLst>
               <a:ext uri="{FF2B5EF4-FFF2-40B4-BE49-F238E27FC236}">
-                <a16:creationId xmlns:a16="http://schemas.microsoft.com/office/drawing/2014/main" xmlns="" id="{38A09987-8827-47B7-85D3-6D69487FC731}"/>
+                <a16:creationId xmlns:a16="http://schemas.microsoft.com/office/drawing/2014/main" id="{38A09987-8827-47B7-85D3-6D69487FC731}"/>
               </a:ext>
             </a:extLst>
           </p:cNvPr>
@@ -10436,7 +10436,7 @@
           <p:cNvPr id="12" name="Picture 11">
             <a:extLst>
               <a:ext uri="{FF2B5EF4-FFF2-40B4-BE49-F238E27FC236}">
-                <a16:creationId xmlns:a16="http://schemas.microsoft.com/office/drawing/2014/main" xmlns="" id="{7028D2F0-1E67-414B-A93D-D3F8F131A132}"/>
+                <a16:creationId xmlns:a16="http://schemas.microsoft.com/office/drawing/2014/main" id="{7028D2F0-1E67-414B-A93D-D3F8F131A132}"/>
               </a:ext>
             </a:extLst>
           </p:cNvPr>
@@ -10472,7 +10472,7 @@
           <p:cNvPr id="9" name="Text Placeholder 2">
             <a:extLst>
               <a:ext uri="{FF2B5EF4-FFF2-40B4-BE49-F238E27FC236}">
-                <a16:creationId xmlns:a16="http://schemas.microsoft.com/office/drawing/2014/main" xmlns="" id="{C8A626D2-456B-41EF-9818-EA8DD7E314DA}"/>
+                <a16:creationId xmlns:a16="http://schemas.microsoft.com/office/drawing/2014/main" id="{C8A626D2-456B-41EF-9818-EA8DD7E314DA}"/>
               </a:ext>
             </a:extLst>
           </p:cNvPr>
@@ -10535,7 +10535,7 @@
           <p:cNvPr id="10" name="Text Placeholder 2">
             <a:extLst>
               <a:ext uri="{FF2B5EF4-FFF2-40B4-BE49-F238E27FC236}">
-                <a16:creationId xmlns:a16="http://schemas.microsoft.com/office/drawing/2014/main" xmlns="" id="{AF69A59F-C564-4A04-B1CC-31C261499991}"/>
+                <a16:creationId xmlns:a16="http://schemas.microsoft.com/office/drawing/2014/main" id="{AF69A59F-C564-4A04-B1CC-31C261499991}"/>
               </a:ext>
             </a:extLst>
           </p:cNvPr>
@@ -10598,7 +10598,7 @@
           <p:cNvPr id="5" name="Date Placeholder 4">
             <a:extLst>
               <a:ext uri="{FF2B5EF4-FFF2-40B4-BE49-F238E27FC236}">
-                <a16:creationId xmlns:a16="http://schemas.microsoft.com/office/drawing/2014/main" xmlns="" id="{F858E34E-73A2-41B4-8C58-4DDB1D4D97D8}"/>
+                <a16:creationId xmlns:a16="http://schemas.microsoft.com/office/drawing/2014/main" id="{F858E34E-73A2-41B4-8C58-4DDB1D4D97D8}"/>
               </a:ext>
             </a:extLst>
           </p:cNvPr>
@@ -10622,7 +10622,7 @@
             <a:fld id="{055373AC-9AA7-423B-BA00-BA1C74164DBD}" type="datetime1">
               <a:rPr lang="en-US" smtClean="0"/>
               <a:pPr/>
-              <a:t>7/9/2019</a:t>
+              <a:t>7/19/2019</a:t>
             </a:fld>
             <a:endParaRPr lang="en-US" dirty="0"/>
           </a:p>
@@ -10633,7 +10633,7 @@
           <p:cNvPr id="7" name="Footer Placeholder 6">
             <a:extLst>
               <a:ext uri="{FF2B5EF4-FFF2-40B4-BE49-F238E27FC236}">
-                <a16:creationId xmlns:a16="http://schemas.microsoft.com/office/drawing/2014/main" xmlns="" id="{47141AFF-42FF-4AAA-A3FA-149DDA66FCC2}"/>
+                <a16:creationId xmlns:a16="http://schemas.microsoft.com/office/drawing/2014/main" id="{47141AFF-42FF-4AAA-A3FA-149DDA66FCC2}"/>
               </a:ext>
             </a:extLst>
           </p:cNvPr>
@@ -10658,7 +10658,7 @@
           <p:cNvPr id="8" name="Slide Number Placeholder 7">
             <a:extLst>
               <a:ext uri="{FF2B5EF4-FFF2-40B4-BE49-F238E27FC236}">
-                <a16:creationId xmlns:a16="http://schemas.microsoft.com/office/drawing/2014/main" xmlns="" id="{92B2616D-7BC8-4F96-B3A7-B299A353B427}"/>
+                <a16:creationId xmlns:a16="http://schemas.microsoft.com/office/drawing/2014/main" id="{92B2616D-7BC8-4F96-B3A7-B299A353B427}"/>
               </a:ext>
             </a:extLst>
           </p:cNvPr>
@@ -10696,7 +10696,7 @@
           <p:cNvPr id="15" name="Picture 14">
             <a:extLst>
               <a:ext uri="{FF2B5EF4-FFF2-40B4-BE49-F238E27FC236}">
-                <a16:creationId xmlns:a16="http://schemas.microsoft.com/office/drawing/2014/main" xmlns="" id="{23AACB49-5E4F-4436-9D82-E83B52A7FCB8}"/>
+                <a16:creationId xmlns:a16="http://schemas.microsoft.com/office/drawing/2014/main" id="{23AACB49-5E4F-4436-9D82-E83B52A7FCB8}"/>
               </a:ext>
             </a:extLst>
           </p:cNvPr>
@@ -10787,7 +10787,7 @@
           <p:cNvPr id="15" name="Picture 14">
             <a:extLst>
               <a:ext uri="{FF2B5EF4-FFF2-40B4-BE49-F238E27FC236}">
-                <a16:creationId xmlns:a16="http://schemas.microsoft.com/office/drawing/2014/main" xmlns="" id="{C19C6415-13AB-4677-935E-D11508C4AD27}"/>
+                <a16:creationId xmlns:a16="http://schemas.microsoft.com/office/drawing/2014/main" id="{C19C6415-13AB-4677-935E-D11508C4AD27}"/>
               </a:ext>
             </a:extLst>
           </p:cNvPr>
@@ -10816,7 +10816,7 @@
           <p:cNvPr id="13" name="Rectangle 12">
             <a:extLst>
               <a:ext uri="{FF2B5EF4-FFF2-40B4-BE49-F238E27FC236}">
-                <a16:creationId xmlns:a16="http://schemas.microsoft.com/office/drawing/2014/main" xmlns="" id="{4B4EBD86-A13A-41DF-A04E-EA4A858E8860}"/>
+                <a16:creationId xmlns:a16="http://schemas.microsoft.com/office/drawing/2014/main" id="{4B4EBD86-A13A-41DF-A04E-EA4A858E8860}"/>
               </a:ext>
             </a:extLst>
           </p:cNvPr>
@@ -10897,7 +10897,7 @@
           <p:cNvPr id="21" name="Text Placeholder 20">
             <a:extLst>
               <a:ext uri="{FF2B5EF4-FFF2-40B4-BE49-F238E27FC236}">
-                <a16:creationId xmlns:a16="http://schemas.microsoft.com/office/drawing/2014/main" xmlns="" id="{04F318BE-2BAD-4677-871C-D78A4BF0CBA6}"/>
+                <a16:creationId xmlns:a16="http://schemas.microsoft.com/office/drawing/2014/main" id="{04F318BE-2BAD-4677-871C-D78A4BF0CBA6}"/>
               </a:ext>
             </a:extLst>
           </p:cNvPr>
@@ -10945,7 +10945,7 @@
           <p:cNvPr id="6" name="Text Placeholder 5">
             <a:extLst>
               <a:ext uri="{FF2B5EF4-FFF2-40B4-BE49-F238E27FC236}">
-                <a16:creationId xmlns:a16="http://schemas.microsoft.com/office/drawing/2014/main" xmlns="" id="{3278A82F-5546-4977-9F75-2A933B415945}"/>
+                <a16:creationId xmlns:a16="http://schemas.microsoft.com/office/drawing/2014/main" id="{3278A82F-5546-4977-9F75-2A933B415945}"/>
               </a:ext>
             </a:extLst>
           </p:cNvPr>
@@ -11028,7 +11028,7 @@
           <p:cNvPr id="2" name="Title 1">
             <a:extLst>
               <a:ext uri="{FF2B5EF4-FFF2-40B4-BE49-F238E27FC236}">
-                <a16:creationId xmlns:a16="http://schemas.microsoft.com/office/drawing/2014/main" xmlns="" id="{03BA3E62-7E9B-447C-9045-B989874D05D3}"/>
+                <a16:creationId xmlns:a16="http://schemas.microsoft.com/office/drawing/2014/main" id="{03BA3E62-7E9B-447C-9045-B989874D05D3}"/>
               </a:ext>
             </a:extLst>
           </p:cNvPr>
@@ -11064,7 +11064,7 @@
           <p:cNvPr id="3" name="Date Placeholder 2">
             <a:extLst>
               <a:ext uri="{FF2B5EF4-FFF2-40B4-BE49-F238E27FC236}">
-                <a16:creationId xmlns:a16="http://schemas.microsoft.com/office/drawing/2014/main" xmlns="" id="{1557BD22-7B02-4D39-928A-4BAD0D84EC13}"/>
+                <a16:creationId xmlns:a16="http://schemas.microsoft.com/office/drawing/2014/main" id="{1557BD22-7B02-4D39-928A-4BAD0D84EC13}"/>
               </a:ext>
             </a:extLst>
           </p:cNvPr>
@@ -11083,7 +11083,7 @@
             <a:fld id="{055373AC-9AA7-423B-BA00-BA1C74164DBD}" type="datetime1">
               <a:rPr lang="en-US" smtClean="0"/>
               <a:pPr/>
-              <a:t>7/9/2019</a:t>
+              <a:t>7/19/2019</a:t>
             </a:fld>
             <a:endParaRPr lang="en-US" dirty="0"/>
           </a:p>
@@ -11094,7 +11094,7 @@
           <p:cNvPr id="4" name="Footer Placeholder 3">
             <a:extLst>
               <a:ext uri="{FF2B5EF4-FFF2-40B4-BE49-F238E27FC236}">
-                <a16:creationId xmlns:a16="http://schemas.microsoft.com/office/drawing/2014/main" xmlns="" id="{12DED1B3-84A5-43D8-8770-B2C1E963B681}"/>
+                <a16:creationId xmlns:a16="http://schemas.microsoft.com/office/drawing/2014/main" id="{12DED1B3-84A5-43D8-8770-B2C1E963B681}"/>
               </a:ext>
             </a:extLst>
           </p:cNvPr>
@@ -11119,7 +11119,7 @@
           <p:cNvPr id="5" name="Slide Number Placeholder 4">
             <a:extLst>
               <a:ext uri="{FF2B5EF4-FFF2-40B4-BE49-F238E27FC236}">
-                <a16:creationId xmlns:a16="http://schemas.microsoft.com/office/drawing/2014/main" xmlns="" id="{6213FF9B-335F-4699-94F7-E43CA829037E}"/>
+                <a16:creationId xmlns:a16="http://schemas.microsoft.com/office/drawing/2014/main" id="{6213FF9B-335F-4699-94F7-E43CA829037E}"/>
               </a:ext>
             </a:extLst>
           </p:cNvPr>
@@ -11149,7 +11149,7 @@
           <p:cNvPr id="11" name="Picture 10">
             <a:extLst>
               <a:ext uri="{FF2B5EF4-FFF2-40B4-BE49-F238E27FC236}">
-                <a16:creationId xmlns:a16="http://schemas.microsoft.com/office/drawing/2014/main" xmlns="" id="{2EB003D1-D2F8-474E-9E8E-075BE60E9273}"/>
+                <a16:creationId xmlns:a16="http://schemas.microsoft.com/office/drawing/2014/main" id="{2EB003D1-D2F8-474E-9E8E-075BE60E9273}"/>
               </a:ext>
             </a:extLst>
           </p:cNvPr>
@@ -11232,7 +11232,7 @@
           <p:cNvPr id="7" name="Date Placeholder 3">
             <a:extLst>
               <a:ext uri="{FF2B5EF4-FFF2-40B4-BE49-F238E27FC236}">
-                <a16:creationId xmlns:a16="http://schemas.microsoft.com/office/drawing/2014/main" xmlns="" id="{0403F5F2-BA1B-4A39-A03D-AD9E0469441C}"/>
+                <a16:creationId xmlns:a16="http://schemas.microsoft.com/office/drawing/2014/main" id="{0403F5F2-BA1B-4A39-A03D-AD9E0469441C}"/>
               </a:ext>
             </a:extLst>
           </p:cNvPr>
@@ -11267,7 +11267,7 @@
             <a:fld id="{055373AC-9AA7-423B-BA00-BA1C74164DBD}" type="datetime1">
               <a:rPr lang="en-US" smtClean="0"/>
               <a:pPr/>
-              <a:t>7/9/2019</a:t>
+              <a:t>7/19/2019</a:t>
             </a:fld>
             <a:endParaRPr lang="en-US" dirty="0"/>
           </a:p>
@@ -11278,7 +11278,7 @@
           <p:cNvPr id="8" name="Footer Placeholder 4">
             <a:extLst>
               <a:ext uri="{FF2B5EF4-FFF2-40B4-BE49-F238E27FC236}">
-                <a16:creationId xmlns:a16="http://schemas.microsoft.com/office/drawing/2014/main" xmlns="" id="{32BCD1B1-3A00-45B1-B516-6B8E7FBC47C4}"/>
+                <a16:creationId xmlns:a16="http://schemas.microsoft.com/office/drawing/2014/main" id="{32BCD1B1-3A00-45B1-B516-6B8E7FBC47C4}"/>
               </a:ext>
             </a:extLst>
           </p:cNvPr>
@@ -11319,7 +11319,7 @@
           <p:cNvPr id="9" name="Slide Number Placeholder 5">
             <a:extLst>
               <a:ext uri="{FF2B5EF4-FFF2-40B4-BE49-F238E27FC236}">
-                <a16:creationId xmlns:a16="http://schemas.microsoft.com/office/drawing/2014/main" xmlns="" id="{0902A4B2-CB08-42CE-A814-FBDF345C2F43}"/>
+                <a16:creationId xmlns:a16="http://schemas.microsoft.com/office/drawing/2014/main" id="{0902A4B2-CB08-42CE-A814-FBDF345C2F43}"/>
               </a:ext>
             </a:extLst>
           </p:cNvPr>
@@ -11365,7 +11365,7 @@
           <p:cNvPr id="10" name="Title Placeholder 1">
             <a:extLst>
               <a:ext uri="{FF2B5EF4-FFF2-40B4-BE49-F238E27FC236}">
-                <a16:creationId xmlns:a16="http://schemas.microsoft.com/office/drawing/2014/main" xmlns="" id="{B770C392-3003-4C35-9625-BB041F8257BA}"/>
+                <a16:creationId xmlns:a16="http://schemas.microsoft.com/office/drawing/2014/main" id="{B770C392-3003-4C35-9625-BB041F8257BA}"/>
               </a:ext>
             </a:extLst>
           </p:cNvPr>
@@ -11404,7 +11404,7 @@
           <p:cNvPr id="11" name="Text Placeholder 2">
             <a:extLst>
               <a:ext uri="{FF2B5EF4-FFF2-40B4-BE49-F238E27FC236}">
-                <a16:creationId xmlns:a16="http://schemas.microsoft.com/office/drawing/2014/main" xmlns="" id="{90CBFB32-9F46-4F2F-8A54-9EE8BED27855}"/>
+                <a16:creationId xmlns:a16="http://schemas.microsoft.com/office/drawing/2014/main" id="{90CBFB32-9F46-4F2F-8A54-9EE8BED27855}"/>
               </a:ext>
             </a:extLst>
           </p:cNvPr>
@@ -11988,7 +11988,7 @@
           <p:cNvPr id="23" name="Picture 22">
             <a:extLst>
               <a:ext uri="{FF2B5EF4-FFF2-40B4-BE49-F238E27FC236}">
-                <a16:creationId xmlns:a16="http://schemas.microsoft.com/office/drawing/2014/main" xmlns="" id="{C0D3D29C-BAF5-4006-8125-0CCBDDF50E66}"/>
+                <a16:creationId xmlns:a16="http://schemas.microsoft.com/office/drawing/2014/main" id="{C0D3D29C-BAF5-4006-8125-0CCBDDF50E66}"/>
               </a:ext>
             </a:extLst>
           </p:cNvPr>
@@ -12024,7 +12024,7 @@
           <p:cNvPr id="9" name="image2.jpeg">
             <a:extLst>
               <a:ext uri="{FF2B5EF4-FFF2-40B4-BE49-F238E27FC236}">
-                <a16:creationId xmlns:a16="http://schemas.microsoft.com/office/drawing/2014/main" xmlns="" id="{CD02F7BD-8B2C-4C1D-8CCB-C1AAD08F085E}"/>
+                <a16:creationId xmlns:a16="http://schemas.microsoft.com/office/drawing/2014/main" id="{CD02F7BD-8B2C-4C1D-8CCB-C1AAD08F085E}"/>
               </a:ext>
             </a:extLst>
           </p:cNvPr>
@@ -12130,7 +12130,7 @@
           <p:cNvPr id="2" name="Text Placeholder 1">
             <a:extLst>
               <a:ext uri="{FF2B5EF4-FFF2-40B4-BE49-F238E27FC236}">
-                <a16:creationId xmlns:a16="http://schemas.microsoft.com/office/drawing/2014/main" xmlns="" id="{574185D6-58EB-4294-913D-F8068A92586F}"/>
+                <a16:creationId xmlns:a16="http://schemas.microsoft.com/office/drawing/2014/main" id="{574185D6-58EB-4294-913D-F8068A92586F}"/>
               </a:ext>
             </a:extLst>
           </p:cNvPr>
@@ -12158,7 +12158,7 @@
           <p:cNvPr id="8" name="Text Placeholder 4">
             <a:extLst>
               <a:ext uri="{FF2B5EF4-FFF2-40B4-BE49-F238E27FC236}">
-                <a16:creationId xmlns:a16="http://schemas.microsoft.com/office/drawing/2014/main" xmlns="" id="{C886439C-1CA8-450B-A9E2-4DBC6DCAF5FE}"/>
+                <a16:creationId xmlns:a16="http://schemas.microsoft.com/office/drawing/2014/main" id="{C886439C-1CA8-450B-A9E2-4DBC6DCAF5FE}"/>
               </a:ext>
             </a:extLst>
           </p:cNvPr>
@@ -12787,31 +12787,22 @@
             <a:r>
               <a:rPr lang="en-US" sz="2800" b="1" noProof="1">
                 <a:solidFill>
-                  <a:schemeClr val="accent2"/>
+                  <a:srgbClr val="FF0000"/>
                 </a:solidFill>
                 <a:latin typeface="Consolas" panose="020B0609020204030204" pitchFamily="49" charset="0"/>
               </a:rPr>
-              <a:t>+</a:t>
-            </a:r>
-            <a:r>
-              <a:rPr lang="en-US" sz="2800" b="1" noProof="1">
-                <a:solidFill>
-                  <a:schemeClr val="accent4"/>
-                </a:solidFill>
-                <a:latin typeface="Consolas" panose="020B0609020204030204" pitchFamily="49" charset="0"/>
-              </a:rPr>
-              <a:t>359885976002</a:t>
+              <a:t>+359885976002 </a:t>
             </a:r>
             <a:r>
               <a:rPr lang="en-US" sz="2800" b="1" noProof="1">
                 <a:latin typeface="Consolas" panose="020B0609020204030204" pitchFamily="49" charset="0"/>
               </a:rPr>
-              <a:t> a</a:t>
+              <a:t>a</a:t>
             </a:r>
             <a:r>
               <a:rPr lang="en-US" sz="2800" b="1" noProof="1">
                 <a:solidFill>
-                  <a:schemeClr val="accent2"/>
+                  <a:srgbClr val="FF0000"/>
                 </a:solidFill>
                 <a:latin typeface="Consolas" panose="020B0609020204030204" pitchFamily="49" charset="0"/>
               </a:rPr>
@@ -12899,7 +12890,7 @@
           <p:cNvPr id="20" name="Arrow: Right 19">
             <a:extLst>
               <a:ext uri="{FF2B5EF4-FFF2-40B4-BE49-F238E27FC236}">
-                <a16:creationId xmlns:a16="http://schemas.microsoft.com/office/drawing/2014/main" xmlns="" id="{CC046982-889B-43F5-BA2B-4BE7F473408F}"/>
+                <a16:creationId xmlns:a16="http://schemas.microsoft.com/office/drawing/2014/main" id="{CC046982-889B-43F5-BA2B-4BE7F473408F}"/>
               </a:ext>
             </a:extLst>
           </p:cNvPr>
@@ -12945,7 +12936,7 @@
           <p:cNvPr id="43" name="Rectangle 42">
             <a:extLst>
               <a:ext uri="{FF2B5EF4-FFF2-40B4-BE49-F238E27FC236}">
-                <a16:creationId xmlns:a16="http://schemas.microsoft.com/office/drawing/2014/main" xmlns="" id="{4377CA61-A530-4E9D-9FE8-736FD0FA6B27}"/>
+                <a16:creationId xmlns:a16="http://schemas.microsoft.com/office/drawing/2014/main" id="{4377CA61-A530-4E9D-9FE8-736FD0FA6B27}"/>
               </a:ext>
             </a:extLst>
           </p:cNvPr>
@@ -12996,26 +12987,17 @@
             <a:r>
               <a:rPr lang="en-US" sz="2800" b="1" noProof="1">
                 <a:solidFill>
-                  <a:schemeClr val="accent2"/>
+                  <a:srgbClr val="FF0000"/>
                 </a:solidFill>
                 <a:latin typeface="Consolas" panose="020B0609020204030204" pitchFamily="49" charset="0"/>
               </a:rPr>
-              <a:t>+</a:t>
-            </a:r>
-            <a:r>
-              <a:rPr lang="en-US" sz="2800" b="1" noProof="1">
-                <a:solidFill>
-                  <a:schemeClr val="accent4"/>
-                </a:solidFill>
-                <a:latin typeface="Consolas" panose="020B0609020204030204" pitchFamily="49" charset="0"/>
-              </a:rPr>
-              <a:t>359885976002</a:t>
+              <a:t>+359885976002 </a:t>
             </a:r>
             <a:r>
               <a:rPr lang="en-US" sz="2800" b="1" noProof="1">
                 <a:latin typeface="Consolas" panose="020B0609020204030204" pitchFamily="49" charset="0"/>
               </a:rPr>
-              <a:t> a</a:t>
+              <a:t>a</a:t>
             </a:r>
             <a:r>
               <a:rPr lang="en-US" sz="2800" b="1" noProof="1">
@@ -13040,7 +13022,7 @@
           <p:cNvPr id="44" name="Rectangle 43">
             <a:extLst>
               <a:ext uri="{FF2B5EF4-FFF2-40B4-BE49-F238E27FC236}">
-                <a16:creationId xmlns:a16="http://schemas.microsoft.com/office/drawing/2014/main" xmlns="" id="{D5DF1277-2A2F-4A3F-A298-7FA839E5B121}"/>
+                <a16:creationId xmlns:a16="http://schemas.microsoft.com/office/drawing/2014/main" id="{D5DF1277-2A2F-4A3F-A298-7FA839E5B121}"/>
               </a:ext>
             </a:extLst>
           </p:cNvPr>
@@ -13114,7 +13096,7 @@
           <p:cNvPr id="46" name="Arrow: Right 45">
             <a:extLst>
               <a:ext uri="{FF2B5EF4-FFF2-40B4-BE49-F238E27FC236}">
-                <a16:creationId xmlns:a16="http://schemas.microsoft.com/office/drawing/2014/main" xmlns="" id="{29197C1B-F0BA-44A2-BBB5-45E2F39CDCA0}"/>
+                <a16:creationId xmlns:a16="http://schemas.microsoft.com/office/drawing/2014/main" id="{29197C1B-F0BA-44A2-BBB5-45E2F39CDCA0}"/>
               </a:ext>
             </a:extLst>
           </p:cNvPr>
@@ -13160,7 +13142,7 @@
           <p:cNvPr id="48" name="Rectangle 47">
             <a:extLst>
               <a:ext uri="{FF2B5EF4-FFF2-40B4-BE49-F238E27FC236}">
-                <a16:creationId xmlns:a16="http://schemas.microsoft.com/office/drawing/2014/main" xmlns="" id="{F8C4F213-9490-4E85-9D34-1330AFF37C18}"/>
+                <a16:creationId xmlns:a16="http://schemas.microsoft.com/office/drawing/2014/main" id="{F8C4F213-9490-4E85-9D34-1330AFF37C18}"/>
               </a:ext>
             </a:extLst>
           </p:cNvPr>
@@ -13211,20 +13193,11 @@
             <a:r>
               <a:rPr lang="en-US" sz="2800" b="1" noProof="1">
                 <a:solidFill>
-                  <a:schemeClr val="accent2"/>
+                  <a:srgbClr val="FF0000"/>
                 </a:solidFill>
                 <a:latin typeface="Consolas" panose="020B0609020204030204" pitchFamily="49" charset="0"/>
               </a:rPr>
-              <a:t>+</a:t>
-            </a:r>
-            <a:r>
-              <a:rPr lang="en-US" sz="2800" b="1" noProof="1">
-                <a:solidFill>
-                  <a:schemeClr val="accent4"/>
-                </a:solidFill>
-                <a:latin typeface="Consolas" panose="020B0609020204030204" pitchFamily="49" charset="0"/>
-              </a:rPr>
-              <a:t>3</a:t>
+              <a:t>+3</a:t>
             </a:r>
             <a:r>
               <a:rPr lang="en-US" sz="2800" b="1" noProof="1">
@@ -13235,7 +13208,7 @@
             <a:r>
               <a:rPr lang="en-US" sz="2800" b="1" noProof="1">
                 <a:solidFill>
-                  <a:schemeClr val="accent2"/>
+                  <a:srgbClr val="FF0000"/>
                 </a:solidFill>
                 <a:latin typeface="Consolas" panose="020B0609020204030204" pitchFamily="49" charset="0"/>
               </a:rPr>
@@ -13255,7 +13228,7 @@
           <p:cNvPr id="49" name="Rectangle 48">
             <a:extLst>
               <a:ext uri="{FF2B5EF4-FFF2-40B4-BE49-F238E27FC236}">
-                <a16:creationId xmlns:a16="http://schemas.microsoft.com/office/drawing/2014/main" xmlns="" id="{9CF756FF-C49B-4E33-8417-D0C238935CAB}"/>
+                <a16:creationId xmlns:a16="http://schemas.microsoft.com/office/drawing/2014/main" id="{9CF756FF-C49B-4E33-8417-D0C238935CAB}"/>
               </a:ext>
             </a:extLst>
           </p:cNvPr>
@@ -13329,7 +13302,7 @@
           <p:cNvPr id="51" name="Arrow: Right 50">
             <a:extLst>
               <a:ext uri="{FF2B5EF4-FFF2-40B4-BE49-F238E27FC236}">
-                <a16:creationId xmlns:a16="http://schemas.microsoft.com/office/drawing/2014/main" xmlns="" id="{A5378BA8-C61F-455C-81EC-9DDB53EBA6C2}"/>
+                <a16:creationId xmlns:a16="http://schemas.microsoft.com/office/drawing/2014/main" id="{A5378BA8-C61F-455C-81EC-9DDB53EBA6C2}"/>
               </a:ext>
             </a:extLst>
           </p:cNvPr>
@@ -13375,7 +13348,7 @@
           <p:cNvPr id="55" name="Rectangle 54">
             <a:extLst>
               <a:ext uri="{FF2B5EF4-FFF2-40B4-BE49-F238E27FC236}">
-                <a16:creationId xmlns:a16="http://schemas.microsoft.com/office/drawing/2014/main" xmlns="" id="{369CC83B-9D95-4CE6-98F3-9938FC46EBB0}"/>
+                <a16:creationId xmlns:a16="http://schemas.microsoft.com/office/drawing/2014/main" id="{369CC83B-9D95-4CE6-98F3-9938FC46EBB0}"/>
               </a:ext>
             </a:extLst>
           </p:cNvPr>
@@ -13426,20 +13399,11 @@
             <a:r>
               <a:rPr lang="en-US" sz="2800" b="1" noProof="1">
                 <a:solidFill>
-                  <a:schemeClr val="accent2"/>
+                  <a:srgbClr val="FF0000"/>
                 </a:solidFill>
                 <a:latin typeface="Consolas" panose="020B0609020204030204" pitchFamily="49" charset="0"/>
               </a:rPr>
-              <a:t>+</a:t>
-            </a:r>
-            <a:r>
-              <a:rPr lang="en-US" sz="2800" b="1" noProof="1">
-                <a:solidFill>
-                  <a:schemeClr val="accent4"/>
-                </a:solidFill>
-                <a:latin typeface="Consolas" panose="020B0609020204030204" pitchFamily="49" charset="0"/>
-              </a:rPr>
-              <a:t>359</a:t>
+              <a:t>+359</a:t>
             </a:r>
             <a:r>
               <a:rPr lang="en-US" sz="2800" b="1" noProof="1">
@@ -13470,7 +13434,7 @@
           <p:cNvPr id="56" name="Rectangle 55">
             <a:extLst>
               <a:ext uri="{FF2B5EF4-FFF2-40B4-BE49-F238E27FC236}">
-                <a16:creationId xmlns:a16="http://schemas.microsoft.com/office/drawing/2014/main" xmlns="" id="{D23E989C-C1E0-489C-9E5A-1D4815DC01C2}"/>
+                <a16:creationId xmlns:a16="http://schemas.microsoft.com/office/drawing/2014/main" id="{D23E989C-C1E0-489C-9E5A-1D4815DC01C2}"/>
               </a:ext>
             </a:extLst>
           </p:cNvPr>
@@ -13544,7 +13508,7 @@
           <p:cNvPr id="58" name="Arrow: Right 57">
             <a:extLst>
               <a:ext uri="{FF2B5EF4-FFF2-40B4-BE49-F238E27FC236}">
-                <a16:creationId xmlns:a16="http://schemas.microsoft.com/office/drawing/2014/main" xmlns="" id="{B78B155E-6D09-439E-89F2-03016ABE7C30}"/>
+                <a16:creationId xmlns:a16="http://schemas.microsoft.com/office/drawing/2014/main" id="{B78B155E-6D09-439E-89F2-03016ABE7C30}"/>
               </a:ext>
             </a:extLst>
           </p:cNvPr>
@@ -14736,7 +14700,7 @@
           <p:cNvPr id="31" name="Arrow: Right 30">
             <a:extLst>
               <a:ext uri="{FF2B5EF4-FFF2-40B4-BE49-F238E27FC236}">
-                <a16:creationId xmlns:a16="http://schemas.microsoft.com/office/drawing/2014/main" xmlns="" id="{F4CDDCB9-7E99-438E-B084-203948179C20}"/>
+                <a16:creationId xmlns:a16="http://schemas.microsoft.com/office/drawing/2014/main" id="{F4CDDCB9-7E99-438E-B084-203948179C20}"/>
               </a:ext>
             </a:extLst>
           </p:cNvPr>
@@ -14782,7 +14746,7 @@
           <p:cNvPr id="33" name="Arrow: Right 32">
             <a:extLst>
               <a:ext uri="{FF2B5EF4-FFF2-40B4-BE49-F238E27FC236}">
-                <a16:creationId xmlns:a16="http://schemas.microsoft.com/office/drawing/2014/main" xmlns="" id="{2A467049-FDAF-4FB6-9AF9-4C5AB41B7CDD}"/>
+                <a16:creationId xmlns:a16="http://schemas.microsoft.com/office/drawing/2014/main" id="{2A467049-FDAF-4FB6-9AF9-4C5AB41B7CDD}"/>
               </a:ext>
             </a:extLst>
           </p:cNvPr>
@@ -14828,7 +14792,7 @@
           <p:cNvPr id="36" name="Arrow: Right 35">
             <a:extLst>
               <a:ext uri="{FF2B5EF4-FFF2-40B4-BE49-F238E27FC236}">
-                <a16:creationId xmlns:a16="http://schemas.microsoft.com/office/drawing/2014/main" xmlns="" id="{D52E1EEF-F7E0-4718-9C3A-363626908A7E}"/>
+                <a16:creationId xmlns:a16="http://schemas.microsoft.com/office/drawing/2014/main" id="{D52E1EEF-F7E0-4718-9C3A-363626908A7E}"/>
               </a:ext>
             </a:extLst>
           </p:cNvPr>
@@ -17503,7 +17467,7 @@
           <p:cNvPr id="2" name="Text Placeholder 1">
             <a:extLst>
               <a:ext uri="{FF2B5EF4-FFF2-40B4-BE49-F238E27FC236}">
-                <a16:creationId xmlns:a16="http://schemas.microsoft.com/office/drawing/2014/main" xmlns="" id="{79B43C87-6B63-42F2-AAD5-1C470FE7758F}"/>
+                <a16:creationId xmlns:a16="http://schemas.microsoft.com/office/drawing/2014/main" id="{79B43C87-6B63-42F2-AAD5-1C470FE7758F}"/>
               </a:ext>
             </a:extLst>
           </p:cNvPr>
@@ -17532,7 +17496,7 @@
           <p:cNvPr id="3" name="Text Placeholder 2">
             <a:extLst>
               <a:ext uri="{FF2B5EF4-FFF2-40B4-BE49-F238E27FC236}">
-                <a16:creationId xmlns:a16="http://schemas.microsoft.com/office/drawing/2014/main" xmlns="" id="{4DEC85C5-854E-4F31-920C-1036632BF9A4}"/>
+                <a16:creationId xmlns:a16="http://schemas.microsoft.com/office/drawing/2014/main" id="{4DEC85C5-854E-4F31-920C-1036632BF9A4}"/>
               </a:ext>
             </a:extLst>
           </p:cNvPr>
@@ -17560,7 +17524,7 @@
           <p:cNvPr id="4" name="Text Placeholder 4">
             <a:extLst>
               <a:ext uri="{FF2B5EF4-FFF2-40B4-BE49-F238E27FC236}">
-                <a16:creationId xmlns:a16="http://schemas.microsoft.com/office/drawing/2014/main" xmlns="" id="{3B6233DF-4457-44C2-A9B2-71F63096FC1F}"/>
+                <a16:creationId xmlns:a16="http://schemas.microsoft.com/office/drawing/2014/main" id="{3B6233DF-4457-44C2-A9B2-71F63096FC1F}"/>
               </a:ext>
             </a:extLst>
           </p:cNvPr>
@@ -17986,7 +17950,7 @@
           <p:cNvPr id="19" name="Rectangle 18">
             <a:extLst>
               <a:ext uri="{FF2B5EF4-FFF2-40B4-BE49-F238E27FC236}">
-                <a16:creationId xmlns:a16="http://schemas.microsoft.com/office/drawing/2014/main" xmlns="" id="{A963B320-8E77-4DAD-B2E6-9F7DA54D60F5}"/>
+                <a16:creationId xmlns:a16="http://schemas.microsoft.com/office/drawing/2014/main" id="{A963B320-8E77-4DAD-B2E6-9F7DA54D60F5}"/>
               </a:ext>
             </a:extLst>
           </p:cNvPr>
@@ -19278,7 +19242,7 @@
           <p:cNvPr id="4" name="Title 3">
             <a:extLst>
               <a:ext uri="{FF2B5EF4-FFF2-40B4-BE49-F238E27FC236}">
-                <a16:creationId xmlns:a16="http://schemas.microsoft.com/office/drawing/2014/main" xmlns="" id="{DC603285-689A-4E41-8F77-BD9FEA5C433A}"/>
+                <a16:creationId xmlns:a16="http://schemas.microsoft.com/office/drawing/2014/main" id="{DC603285-689A-4E41-8F77-BD9FEA5C433A}"/>
               </a:ext>
             </a:extLst>
           </p:cNvPr>
@@ -19307,7 +19271,7 @@
           <p:cNvPr id="3" name="Content Placeholder 2">
             <a:extLst>
               <a:ext uri="{FF2B5EF4-FFF2-40B4-BE49-F238E27FC236}">
-                <a16:creationId xmlns:a16="http://schemas.microsoft.com/office/drawing/2014/main" xmlns="" id="{ACAA566F-0E0E-4BF9-A3B0-6F01080380A3}"/>
+                <a16:creationId xmlns:a16="http://schemas.microsoft.com/office/drawing/2014/main" id="{ACAA566F-0E0E-4BF9-A3B0-6F01080380A3}"/>
               </a:ext>
             </a:extLst>
           </p:cNvPr>
@@ -19381,7 +19345,7 @@
           <p:cNvPr id="2" name="Slide Number Placeholder 1">
             <a:extLst>
               <a:ext uri="{FF2B5EF4-FFF2-40B4-BE49-F238E27FC236}">
-                <a16:creationId xmlns:a16="http://schemas.microsoft.com/office/drawing/2014/main" xmlns="" id="{CA3C29A2-801E-45B5-8313-8492EDF9966A}"/>
+                <a16:creationId xmlns:a16="http://schemas.microsoft.com/office/drawing/2014/main" id="{CA3C29A2-801E-45B5-8313-8492EDF9966A}"/>
               </a:ext>
             </a:extLst>
           </p:cNvPr>
@@ -21473,13 +21437,7 @@
               <a:rPr lang="en-US" sz="3000" noProof="1">
                 <a:cs typeface="Consolas" panose="020B0609020204030204" pitchFamily="49" charset="0"/>
               </a:rPr>
-              <a:t>all strings that match the pattern with the </a:t>
-            </a:r>
-            <a:r>
-              <a:rPr lang="en-US" sz="3000" noProof="1">
-                <a:cs typeface="Consolas" panose="020B0609020204030204" pitchFamily="49" charset="0"/>
-              </a:rPr>
-              <a:t>provided</a:t>
+              <a:t>all strings that match the pattern with the provided</a:t>
             </a:r>
             <a:r>
               <a:rPr lang="bg-BG" sz="3000" noProof="1">
@@ -22421,7 +22379,7 @@
           <p:cNvPr id="8" name="Oval 7">
             <a:extLst>
               <a:ext uri="{FF2B5EF4-FFF2-40B4-BE49-F238E27FC236}">
-                <a16:creationId xmlns:a16="http://schemas.microsoft.com/office/drawing/2014/main" xmlns="" id="{EC850D8D-B775-4D85-946D-35E3FA1CA480}"/>
+                <a16:creationId xmlns:a16="http://schemas.microsoft.com/office/drawing/2014/main" id="{EC850D8D-B775-4D85-946D-35E3FA1CA480}"/>
               </a:ext>
             </a:extLst>
           </p:cNvPr>
@@ -22519,7 +22477,7 @@
           <p:cNvPr id="4" name="Picture 3">
             <a:extLst>
               <a:ext uri="{FF2B5EF4-FFF2-40B4-BE49-F238E27FC236}">
-                <a16:creationId xmlns:a16="http://schemas.microsoft.com/office/drawing/2014/main" xmlns="" id="{91164FCD-7800-435E-869A-D8FA4DBBE20C}"/>
+                <a16:creationId xmlns:a16="http://schemas.microsoft.com/office/drawing/2014/main" id="{91164FCD-7800-435E-869A-D8FA4DBBE20C}"/>
               </a:ext>
             </a:extLst>
           </p:cNvPr>
@@ -22969,7 +22927,7 @@
           <p:cNvPr id="3" name="Title 2">
             <a:extLst>
               <a:ext uri="{FF2B5EF4-FFF2-40B4-BE49-F238E27FC236}">
-                <a16:creationId xmlns:a16="http://schemas.microsoft.com/office/drawing/2014/main" xmlns="" id="{62A57572-052C-4479-BEF8-A4F176345E61}"/>
+                <a16:creationId xmlns:a16="http://schemas.microsoft.com/office/drawing/2014/main" id="{62A57572-052C-4479-BEF8-A4F176345E61}"/>
               </a:ext>
             </a:extLst>
           </p:cNvPr>
@@ -22998,7 +22956,7 @@
           <p:cNvPr id="4" name="Slide Number Placeholder 3">
             <a:extLst>
               <a:ext uri="{FF2B5EF4-FFF2-40B4-BE49-F238E27FC236}">
-                <a16:creationId xmlns:a16="http://schemas.microsoft.com/office/drawing/2014/main" xmlns="" id="{BAF1F711-C869-4E7A-BD79-4670C731BB02}"/>
+                <a16:creationId xmlns:a16="http://schemas.microsoft.com/office/drawing/2014/main" id="{BAF1F711-C869-4E7A-BD79-4670C731BB02}"/>
               </a:ext>
             </a:extLst>
           </p:cNvPr>
@@ -23028,7 +22986,7 @@
           <p:cNvPr id="5" name="Text Placeholder 4">
             <a:extLst>
               <a:ext uri="{FF2B5EF4-FFF2-40B4-BE49-F238E27FC236}">
-                <a16:creationId xmlns:a16="http://schemas.microsoft.com/office/drawing/2014/main" xmlns="" id="{6113B236-88AE-44A4-8D99-AC467FC0DBCF}"/>
+                <a16:creationId xmlns:a16="http://schemas.microsoft.com/office/drawing/2014/main" id="{6113B236-88AE-44A4-8D99-AC467FC0DBCF}"/>
               </a:ext>
             </a:extLst>
           </p:cNvPr>
@@ -23785,20 +23743,12 @@
               <a:rPr lang="en-US" sz="3000" dirty="0" smtClean="0"/>
               <a:t> </a:t>
             </a:r>
-            <a:r>
-              <a:rPr lang="en-US" sz="3000" dirty="0" smtClean="0"/>
-              <a:t/>
-            </a:r>
             <a:br>
               <a:rPr lang="en-US" sz="3000" dirty="0" smtClean="0"/>
             </a:br>
             <a:r>
               <a:rPr lang="en-US" sz="3000" dirty="0" smtClean="0"/>
-              <a:t>respectively</a:t>
-            </a:r>
-            <a:r>
-              <a:rPr lang="en-US" sz="3000" dirty="0" smtClean="0"/>
-              <a:t>)</a:t>
+              <a:t>respectively)</a:t>
             </a:r>
             <a:endParaRPr lang="bg-BG" sz="3000" dirty="0"/>
           </a:p>
@@ -24275,7 +24225,7 @@
           <p:cNvPr id="2" name="Text Placeholder 1">
             <a:extLst>
               <a:ext uri="{FF2B5EF4-FFF2-40B4-BE49-F238E27FC236}">
-                <a16:creationId xmlns:a16="http://schemas.microsoft.com/office/drawing/2014/main" xmlns="" id="{F65D2809-5BDC-45A1-8585-E8F1FA896310}"/>
+                <a16:creationId xmlns:a16="http://schemas.microsoft.com/office/drawing/2014/main" id="{F65D2809-5BDC-45A1-8585-E8F1FA896310}"/>
               </a:ext>
             </a:extLst>
           </p:cNvPr>
@@ -24577,7 +24527,7 @@
           <p:cNvPr id="3" name="Title 2">
             <a:extLst>
               <a:ext uri="{FF2B5EF4-FFF2-40B4-BE49-F238E27FC236}">
-                <a16:creationId xmlns:a16="http://schemas.microsoft.com/office/drawing/2014/main" xmlns="" id="{F483BA08-0729-431F-8143-494A6AC061E1}"/>
+                <a16:creationId xmlns:a16="http://schemas.microsoft.com/office/drawing/2014/main" id="{F483BA08-0729-431F-8143-494A6AC061E1}"/>
               </a:ext>
             </a:extLst>
           </p:cNvPr>
@@ -24610,7 +24560,7 @@
           <p:cNvPr id="4" name="Slide Number Placeholder 3">
             <a:extLst>
               <a:ext uri="{FF2B5EF4-FFF2-40B4-BE49-F238E27FC236}">
-                <a16:creationId xmlns:a16="http://schemas.microsoft.com/office/drawing/2014/main" xmlns="" id="{B3B9E506-EF59-4F15-919D-C171CBF3272C}"/>
+                <a16:creationId xmlns:a16="http://schemas.microsoft.com/office/drawing/2014/main" id="{B3B9E506-EF59-4F15-919D-C171CBF3272C}"/>
               </a:ext>
             </a:extLst>
           </p:cNvPr>
@@ -24832,7 +24782,7 @@
           <p:cNvPr id="14" name="Text Placeholder 4">
             <a:extLst>
               <a:ext uri="{FF2B5EF4-FFF2-40B4-BE49-F238E27FC236}">
-                <a16:creationId xmlns:a16="http://schemas.microsoft.com/office/drawing/2014/main" xmlns="" id="{0E49D336-45B6-44D3-97C4-E28F8DEA2022}"/>
+                <a16:creationId xmlns:a16="http://schemas.microsoft.com/office/drawing/2014/main" id="{0E49D336-45B6-44D3-97C4-E28F8DEA2022}"/>
               </a:ext>
             </a:extLst>
           </p:cNvPr>
@@ -24980,7 +24930,7 @@
           <p:cNvPr id="9" name="Group 8">
             <a:extLst>
               <a:ext uri="{FF2B5EF4-FFF2-40B4-BE49-F238E27FC236}">
-                <a16:creationId xmlns:a16="http://schemas.microsoft.com/office/drawing/2014/main" xmlns="" id="{EBAFE522-EB7D-4931-A015-9A7E8A98517D}"/>
+                <a16:creationId xmlns:a16="http://schemas.microsoft.com/office/drawing/2014/main" id="{EBAFE522-EB7D-4931-A015-9A7E8A98517D}"/>
               </a:ext>
             </a:extLst>
           </p:cNvPr>
@@ -25000,7 +24950,7 @@
             <p:cNvPr id="10" name="Rounded Rectangle 10">
               <a:extLst>
                 <a:ext uri="{FF2B5EF4-FFF2-40B4-BE49-F238E27FC236}">
-                  <a16:creationId xmlns:a16="http://schemas.microsoft.com/office/drawing/2014/main" xmlns="" id="{18F78F23-3D09-4B63-8DF9-D49CFBB145EE}"/>
+                  <a16:creationId xmlns:a16="http://schemas.microsoft.com/office/drawing/2014/main" id="{18F78F23-3D09-4B63-8DF9-D49CFBB145EE}"/>
                 </a:ext>
               </a:extLst>
             </p:cNvPr>
@@ -25054,7 +25004,7 @@
             <p:cNvPr id="11" name="Rounded Rectangle 16">
               <a:extLst>
                 <a:ext uri="{FF2B5EF4-FFF2-40B4-BE49-F238E27FC236}">
-                  <a16:creationId xmlns:a16="http://schemas.microsoft.com/office/drawing/2014/main" xmlns="" id="{F12C06CE-2BBE-46C2-B718-813794C58DF9}"/>
+                  <a16:creationId xmlns:a16="http://schemas.microsoft.com/office/drawing/2014/main" id="{F12C06CE-2BBE-46C2-B718-813794C58DF9}"/>
                 </a:ext>
               </a:extLst>
             </p:cNvPr>
@@ -25114,7 +25064,7 @@
             <p:cNvPr id="12" name="Half Frame 11">
               <a:extLst>
                 <a:ext uri="{FF2B5EF4-FFF2-40B4-BE49-F238E27FC236}">
-                  <a16:creationId xmlns:a16="http://schemas.microsoft.com/office/drawing/2014/main" xmlns="" id="{66CDBB1E-AF3C-43FC-9F34-2DD691F81726}"/>
+                  <a16:creationId xmlns:a16="http://schemas.microsoft.com/office/drawing/2014/main" id="{66CDBB1E-AF3C-43FC-9F34-2DD691F81726}"/>
                 </a:ext>
               </a:extLst>
             </p:cNvPr>
@@ -25176,7 +25126,7 @@
           <p:cNvPr id="13" name="Picture 12">
             <a:extLst>
               <a:ext uri="{FF2B5EF4-FFF2-40B4-BE49-F238E27FC236}">
-                <a16:creationId xmlns:a16="http://schemas.microsoft.com/office/drawing/2014/main" xmlns="" id="{CCC3A316-993C-4741-8826-E104F27650A3}"/>
+                <a16:creationId xmlns:a16="http://schemas.microsoft.com/office/drawing/2014/main" id="{CCC3A316-993C-4741-8826-E104F27650A3}"/>
               </a:ext>
             </a:extLst>
           </p:cNvPr>
@@ -25211,7 +25161,7 @@
           <p:cNvPr id="15" name="Content Placeholder 4">
             <a:extLst>
               <a:ext uri="{FF2B5EF4-FFF2-40B4-BE49-F238E27FC236}">
-                <a16:creationId xmlns:a16="http://schemas.microsoft.com/office/drawing/2014/main" xmlns="" id="{B96A0DF8-27E7-4DC8-BBE3-7238AAAEB845}"/>
+                <a16:creationId xmlns:a16="http://schemas.microsoft.com/office/drawing/2014/main" id="{B96A0DF8-27E7-4DC8-BBE3-7238AAAEB845}"/>
               </a:ext>
             </a:extLst>
           </p:cNvPr>
@@ -26505,7 +26455,7 @@
             <a:hlinkClick r:id="rId25"/>
             <a:extLst>
               <a:ext uri="{FF2B5EF4-FFF2-40B4-BE49-F238E27FC236}">
-                <a16:creationId xmlns:a16="http://schemas.microsoft.com/office/drawing/2014/main" xmlns="" id="{0FDF11E6-F5ED-4FB2-96CD-9D306D28A0DB}"/>
+                <a16:creationId xmlns:a16="http://schemas.microsoft.com/office/drawing/2014/main" id="{0FDF11E6-F5ED-4FB2-96CD-9D306D28A0DB}"/>
               </a:ext>
             </a:extLst>
           </p:cNvPr>
@@ -27061,7 +27011,7 @@
             <a:hlinkClick r:id="rId7"/>
             <a:extLst>
               <a:ext uri="{FF2B5EF4-FFF2-40B4-BE49-F238E27FC236}">
-                <a16:creationId xmlns:a16="http://schemas.microsoft.com/office/drawing/2014/main" xmlns="" id="{FF8B5863-FC71-441D-893C-E681B70BF35C}"/>
+                <a16:creationId xmlns:a16="http://schemas.microsoft.com/office/drawing/2014/main" id="{FF8B5863-FC71-441D-893C-E681B70BF35C}"/>
               </a:ext>
             </a:extLst>
           </p:cNvPr>
@@ -27098,7 +27048,7 @@
             <a:hlinkClick r:id="rId3"/>
             <a:extLst>
               <a:ext uri="{FF2B5EF4-FFF2-40B4-BE49-F238E27FC236}">
-                <a16:creationId xmlns:a16="http://schemas.microsoft.com/office/drawing/2014/main" xmlns="" id="{5AC70220-7037-4082-BB2D-BF1E99F91E0D}"/>
+                <a16:creationId xmlns:a16="http://schemas.microsoft.com/office/drawing/2014/main" id="{5AC70220-7037-4082-BB2D-BF1E99F91E0D}"/>
               </a:ext>
             </a:extLst>
           </p:cNvPr>
@@ -27135,7 +27085,7 @@
             <a:hlinkClick r:id="rId10" tooltip="Software University @ Facebook"/>
             <a:extLst>
               <a:ext uri="{FF2B5EF4-FFF2-40B4-BE49-F238E27FC236}">
-                <a16:creationId xmlns:a16="http://schemas.microsoft.com/office/drawing/2014/main" xmlns="" id="{7DE74804-3B64-4B79-BDD0-3E400F9EC1FD}"/>
+                <a16:creationId xmlns:a16="http://schemas.microsoft.com/office/drawing/2014/main" id="{7DE74804-3B64-4B79-BDD0-3E400F9EC1FD}"/>
               </a:ext>
             </a:extLst>
           </p:cNvPr>
@@ -27182,7 +27132,7 @@
             <a:hlinkClick r:id="rId6" tooltip="Software University Discussion Forum"/>
             <a:extLst>
               <a:ext uri="{FF2B5EF4-FFF2-40B4-BE49-F238E27FC236}">
-                <a16:creationId xmlns:a16="http://schemas.microsoft.com/office/drawing/2014/main" xmlns="" id="{E65F0011-8B8E-4A02-A422-9662ADE13CB5}"/>
+                <a16:creationId xmlns:a16="http://schemas.microsoft.com/office/drawing/2014/main" id="{E65F0011-8B8E-4A02-A422-9662ADE13CB5}"/>
               </a:ext>
             </a:extLst>
           </p:cNvPr>
@@ -27484,7 +27434,7 @@
           <p:cNvPr id="2" name="Text Placeholder 1">
             <a:extLst>
               <a:ext uri="{FF2B5EF4-FFF2-40B4-BE49-F238E27FC236}">
-                <a16:creationId xmlns:a16="http://schemas.microsoft.com/office/drawing/2014/main" xmlns="" id="{574185D6-58EB-4294-913D-F8068A92586F}"/>
+                <a16:creationId xmlns:a16="http://schemas.microsoft.com/office/drawing/2014/main" id="{574185D6-58EB-4294-913D-F8068A92586F}"/>
               </a:ext>
             </a:extLst>
           </p:cNvPr>
@@ -27512,7 +27462,7 @@
           <p:cNvPr id="8" name="Text Placeholder 4">
             <a:extLst>
               <a:ext uri="{FF2B5EF4-FFF2-40B4-BE49-F238E27FC236}">
-                <a16:creationId xmlns:a16="http://schemas.microsoft.com/office/drawing/2014/main" xmlns="" id="{C886439C-1CA8-450B-A9E2-4DBC6DCAF5FE}"/>
+                <a16:creationId xmlns:a16="http://schemas.microsoft.com/office/drawing/2014/main" id="{C886439C-1CA8-450B-A9E2-4DBC6DCAF5FE}"/>
               </a:ext>
             </a:extLst>
           </p:cNvPr>
@@ -29909,7 +29859,7 @@
           <p:cNvPr id="5" name="Text Placeholder 4">
             <a:extLst>
               <a:ext uri="{FF2B5EF4-FFF2-40B4-BE49-F238E27FC236}">
-                <a16:creationId xmlns:a16="http://schemas.microsoft.com/office/drawing/2014/main" xmlns="" id="{6BD87146-D2FA-48FB-8B16-CB655DAADCBD}"/>
+                <a16:creationId xmlns:a16="http://schemas.microsoft.com/office/drawing/2014/main" id="{6BD87146-D2FA-48FB-8B16-CB655DAADCBD}"/>
               </a:ext>
             </a:extLst>
           </p:cNvPr>
@@ -30042,7 +29992,7 @@
           <p:cNvPr id="4" name="Title 3">
             <a:extLst>
               <a:ext uri="{FF2B5EF4-FFF2-40B4-BE49-F238E27FC236}">
-                <a16:creationId xmlns:a16="http://schemas.microsoft.com/office/drawing/2014/main" xmlns="" id="{2EC83897-27FB-49C4-84D6-9471883B021C}"/>
+                <a16:creationId xmlns:a16="http://schemas.microsoft.com/office/drawing/2014/main" id="{2EC83897-27FB-49C4-84D6-9471883B021C}"/>
               </a:ext>
             </a:extLst>
           </p:cNvPr>
